--- a/source/_posts/Thinking-in-TimeTables-WePeiyang-Schedule-Screen-Design-Implementation/schedule-blog.pptx
+++ b/source/_posts/Thinking-in-TimeTables-WePeiyang-Schedule-Screen-Design-Implementation/schedule-blog.pptx
@@ -5,16 +5,14 @@
     <p:sldMasterId id="2147483648" r:id="rId1"/>
   </p:sldMasterIdLst>
   <p:sldIdLst>
-    <p:sldId id="256" r:id="rId2"/>
-    <p:sldId id="265" r:id="rId3"/>
-    <p:sldId id="262" r:id="rId4"/>
-    <p:sldId id="263" r:id="rId5"/>
-    <p:sldId id="257" r:id="rId6"/>
-    <p:sldId id="259" r:id="rId7"/>
-    <p:sldId id="260" r:id="rId8"/>
-    <p:sldId id="258" r:id="rId9"/>
-    <p:sldId id="261" r:id="rId10"/>
-    <p:sldId id="264" r:id="rId11"/>
+    <p:sldId id="262" r:id="rId2"/>
+    <p:sldId id="263" r:id="rId3"/>
+    <p:sldId id="257" r:id="rId4"/>
+    <p:sldId id="259" r:id="rId5"/>
+    <p:sldId id="260" r:id="rId6"/>
+    <p:sldId id="258" r:id="rId7"/>
+    <p:sldId id="261" r:id="rId8"/>
+    <p:sldId id="264" r:id="rId9"/>
   </p:sldIdLst>
   <p:sldSz cx="12192000" cy="6858000"/>
   <p:notesSz cx="6858000" cy="9144000"/>
@@ -268,7 +266,7 @@
           <a:p>
             <a:fld id="{6FDEDA58-B60F-4C24-BF4D-FF1974B91598}" type="datetimeFigureOut">
               <a:rPr lang="zh-CN" altLang="en-US" smtClean="0"/>
-              <a:t>2019/8/29</a:t>
+              <a:t>2019/11/8</a:t>
             </a:fld>
             <a:endParaRPr lang="zh-CN" altLang="en-US"/>
           </a:p>
@@ -466,7 +464,7 @@
           <a:p>
             <a:fld id="{6FDEDA58-B60F-4C24-BF4D-FF1974B91598}" type="datetimeFigureOut">
               <a:rPr lang="zh-CN" altLang="en-US" smtClean="0"/>
-              <a:t>2019/8/29</a:t>
+              <a:t>2019/11/8</a:t>
             </a:fld>
             <a:endParaRPr lang="zh-CN" altLang="en-US"/>
           </a:p>
@@ -674,7 +672,7 @@
           <a:p>
             <a:fld id="{6FDEDA58-B60F-4C24-BF4D-FF1974B91598}" type="datetimeFigureOut">
               <a:rPr lang="zh-CN" altLang="en-US" smtClean="0"/>
-              <a:t>2019/8/29</a:t>
+              <a:t>2019/11/8</a:t>
             </a:fld>
             <a:endParaRPr lang="zh-CN" altLang="en-US"/>
           </a:p>
@@ -872,7 +870,7 @@
           <a:p>
             <a:fld id="{6FDEDA58-B60F-4C24-BF4D-FF1974B91598}" type="datetimeFigureOut">
               <a:rPr lang="zh-CN" altLang="en-US" smtClean="0"/>
-              <a:t>2019/8/29</a:t>
+              <a:t>2019/11/8</a:t>
             </a:fld>
             <a:endParaRPr lang="zh-CN" altLang="en-US"/>
           </a:p>
@@ -1147,7 +1145,7 @@
           <a:p>
             <a:fld id="{6FDEDA58-B60F-4C24-BF4D-FF1974B91598}" type="datetimeFigureOut">
               <a:rPr lang="zh-CN" altLang="en-US" smtClean="0"/>
-              <a:t>2019/8/29</a:t>
+              <a:t>2019/11/8</a:t>
             </a:fld>
             <a:endParaRPr lang="zh-CN" altLang="en-US"/>
           </a:p>
@@ -1412,7 +1410,7 @@
           <a:p>
             <a:fld id="{6FDEDA58-B60F-4C24-BF4D-FF1974B91598}" type="datetimeFigureOut">
               <a:rPr lang="zh-CN" altLang="en-US" smtClean="0"/>
-              <a:t>2019/8/29</a:t>
+              <a:t>2019/11/8</a:t>
             </a:fld>
             <a:endParaRPr lang="zh-CN" altLang="en-US"/>
           </a:p>
@@ -1824,7 +1822,7 @@
           <a:p>
             <a:fld id="{6FDEDA58-B60F-4C24-BF4D-FF1974B91598}" type="datetimeFigureOut">
               <a:rPr lang="zh-CN" altLang="en-US" smtClean="0"/>
-              <a:t>2019/8/29</a:t>
+              <a:t>2019/11/8</a:t>
             </a:fld>
             <a:endParaRPr lang="zh-CN" altLang="en-US"/>
           </a:p>
@@ -1965,7 +1963,7 @@
           <a:p>
             <a:fld id="{6FDEDA58-B60F-4C24-BF4D-FF1974B91598}" type="datetimeFigureOut">
               <a:rPr lang="zh-CN" altLang="en-US" smtClean="0"/>
-              <a:t>2019/8/29</a:t>
+              <a:t>2019/11/8</a:t>
             </a:fld>
             <a:endParaRPr lang="zh-CN" altLang="en-US"/>
           </a:p>
@@ -2078,7 +2076,7 @@
           <a:p>
             <a:fld id="{6FDEDA58-B60F-4C24-BF4D-FF1974B91598}" type="datetimeFigureOut">
               <a:rPr lang="zh-CN" altLang="en-US" smtClean="0"/>
-              <a:t>2019/8/29</a:t>
+              <a:t>2019/11/8</a:t>
             </a:fld>
             <a:endParaRPr lang="zh-CN" altLang="en-US"/>
           </a:p>
@@ -2389,7 +2387,7 @@
           <a:p>
             <a:fld id="{6FDEDA58-B60F-4C24-BF4D-FF1974B91598}" type="datetimeFigureOut">
               <a:rPr lang="zh-CN" altLang="en-US" smtClean="0"/>
-              <a:t>2019/8/29</a:t>
+              <a:t>2019/11/8</a:t>
             </a:fld>
             <a:endParaRPr lang="zh-CN" altLang="en-US"/>
           </a:p>
@@ -2677,7 +2675,7 @@
           <a:p>
             <a:fld id="{6FDEDA58-B60F-4C24-BF4D-FF1974B91598}" type="datetimeFigureOut">
               <a:rPr lang="zh-CN" altLang="en-US" smtClean="0"/>
-              <a:t>2019/8/29</a:t>
+              <a:t>2019/11/8</a:t>
             </a:fld>
             <a:endParaRPr lang="zh-CN" altLang="en-US"/>
           </a:p>
@@ -2918,7 +2916,7 @@
           <a:p>
             <a:fld id="{6FDEDA58-B60F-4C24-BF4D-FF1974B91598}" type="datetimeFigureOut">
               <a:rPr lang="zh-CN" altLang="en-US" smtClean="0"/>
-              <a:t>2019/8/29</a:t>
+              <a:t>2019/11/8</a:t>
             </a:fld>
             <a:endParaRPr lang="zh-CN" altLang="en-US"/>
           </a:p>
@@ -3321,1907 +3319,6 @@
 <file path=ppt/slides/slide1.xml><?xml version="1.0" encoding="utf-8"?>
 <p:sld xmlns:a="http://schemas.openxmlformats.org/drawingml/2006/main" xmlns:r="http://schemas.openxmlformats.org/officeDocument/2006/relationships" xmlns:p="http://schemas.openxmlformats.org/presentationml/2006/main">
   <p:cSld>
-    <p:bg>
-      <p:bgPr>
-        <a:solidFill>
-          <a:srgbClr val="727588"/>
-        </a:solidFill>
-        <a:effectLst/>
-      </p:bgPr>
-    </p:bg>
-    <p:spTree>
-      <p:nvGrpSpPr>
-        <p:cNvPr id="1" name=""/>
-        <p:cNvGrpSpPr/>
-        <p:nvPr/>
-      </p:nvGrpSpPr>
-      <p:grpSpPr>
-        <a:xfrm>
-          <a:off x="0" y="0"/>
-          <a:ext cx="0" cy="0"/>
-          <a:chOff x="0" y="0"/>
-          <a:chExt cx="0" cy="0"/>
-        </a:xfrm>
-      </p:grpSpPr>
-      <p:pic>
-        <p:nvPicPr>
-          <p:cNvPr id="5" name="图片 4">
-            <a:extLst>
-              <a:ext uri="{FF2B5EF4-FFF2-40B4-BE49-F238E27FC236}">
-                <a16:creationId xmlns:a16="http://schemas.microsoft.com/office/drawing/2014/main" id="{3DA1FB6D-2AC4-43AC-B103-118CDF94E191}"/>
-              </a:ext>
-            </a:extLst>
-          </p:cNvPr>
-          <p:cNvPicPr>
-            <a:picLocks noChangeAspect="1"/>
-          </p:cNvPicPr>
-          <p:nvPr/>
-        </p:nvPicPr>
-        <p:blipFill>
-          <a:blip r:embed="rId2">
-            <a:extLst>
-              <a:ext uri="{28A0092B-C50C-407E-A947-70E740481C1C}">
-                <a14:useLocalDpi xmlns:a14="http://schemas.microsoft.com/office/drawing/2010/main" val="0"/>
-              </a:ext>
-            </a:extLst>
-          </a:blip>
-          <a:stretch>
-            <a:fillRect/>
-          </a:stretch>
-        </p:blipFill>
-        <p:spPr>
-          <a:xfrm>
-            <a:off x="2983265" y="794551"/>
-            <a:ext cx="2634449" cy="5268897"/>
-          </a:xfrm>
-          <a:prstGeom prst="rect">
-            <a:avLst/>
-          </a:prstGeom>
-          <a:effectLst>
-            <a:reflection blurRad="6350" stA="50000" endA="300" endPos="38500" dist="50800" dir="5400000" sy="-100000" algn="bl" rotWithShape="0"/>
-          </a:effectLst>
-        </p:spPr>
-      </p:pic>
-      <p:pic>
-        <p:nvPicPr>
-          <p:cNvPr id="7" name="图片 6">
-            <a:extLst>
-              <a:ext uri="{FF2B5EF4-FFF2-40B4-BE49-F238E27FC236}">
-                <a16:creationId xmlns:a16="http://schemas.microsoft.com/office/drawing/2014/main" id="{9D9AD63F-86C3-4DC4-BB2C-A8989AFC7081}"/>
-              </a:ext>
-            </a:extLst>
-          </p:cNvPr>
-          <p:cNvPicPr>
-            <a:picLocks noChangeAspect="1"/>
-          </p:cNvPicPr>
-          <p:nvPr/>
-        </p:nvPicPr>
-        <p:blipFill>
-          <a:blip r:embed="rId3">
-            <a:extLst>
-              <a:ext uri="{28A0092B-C50C-407E-A947-70E740481C1C}">
-                <a14:useLocalDpi xmlns:a14="http://schemas.microsoft.com/office/drawing/2010/main" val="0"/>
-              </a:ext>
-            </a:extLst>
-          </a:blip>
-          <a:stretch>
-            <a:fillRect/>
-          </a:stretch>
-        </p:blipFill>
-        <p:spPr>
-          <a:xfrm>
-            <a:off x="5988449" y="794551"/>
-            <a:ext cx="2634449" cy="5268898"/>
-          </a:xfrm>
-          <a:prstGeom prst="rect">
-            <a:avLst/>
-          </a:prstGeom>
-          <a:effectLst>
-            <a:reflection blurRad="6350" stA="50000" endA="300" endPos="38500" dist="50800" dir="5400000" sy="-100000" algn="bl" rotWithShape="0"/>
-          </a:effectLst>
-        </p:spPr>
-      </p:pic>
-    </p:spTree>
-    <p:extLst>
-      <p:ext uri="{BB962C8B-B14F-4D97-AF65-F5344CB8AC3E}">
-        <p14:creationId xmlns:p14="http://schemas.microsoft.com/office/powerpoint/2010/main" val="1038156212"/>
-      </p:ext>
-    </p:extLst>
-  </p:cSld>
-  <p:clrMapOvr>
-    <a:masterClrMapping/>
-  </p:clrMapOvr>
-</p:sld>
-</file>
-
-<file path=ppt/slides/slide10.xml><?xml version="1.0" encoding="utf-8"?>
-<p:sld xmlns:a="http://schemas.openxmlformats.org/drawingml/2006/main" xmlns:r="http://schemas.openxmlformats.org/officeDocument/2006/relationships" xmlns:p="http://schemas.openxmlformats.org/presentationml/2006/main">
-  <p:cSld>
-    <p:spTree>
-      <p:nvGrpSpPr>
-        <p:cNvPr id="1" name=""/>
-        <p:cNvGrpSpPr/>
-        <p:nvPr/>
-      </p:nvGrpSpPr>
-      <p:grpSpPr>
-        <a:xfrm>
-          <a:off x="0" y="0"/>
-          <a:ext cx="0" cy="0"/>
-          <a:chOff x="0" y="0"/>
-          <a:chExt cx="0" cy="0"/>
-        </a:xfrm>
-      </p:grpSpPr>
-      <p:grpSp>
-        <p:nvGrpSpPr>
-          <p:cNvPr id="2" name="组合 1">
-            <a:extLst>
-              <a:ext uri="{FF2B5EF4-FFF2-40B4-BE49-F238E27FC236}">
-                <a16:creationId xmlns:a16="http://schemas.microsoft.com/office/drawing/2014/main" id="{AB46761C-5BEA-4014-B313-3E6C8C7746F4}"/>
-              </a:ext>
-            </a:extLst>
-          </p:cNvPr>
-          <p:cNvGrpSpPr/>
-          <p:nvPr/>
-        </p:nvGrpSpPr>
-        <p:grpSpPr>
-          <a:xfrm>
-            <a:off x="1078007" y="1205048"/>
-            <a:ext cx="10035986" cy="4817108"/>
-            <a:chOff x="1159945" y="909698"/>
-            <a:chExt cx="11933277" cy="5727777"/>
-          </a:xfrm>
-        </p:grpSpPr>
-        <p:sp>
-          <p:nvSpPr>
-            <p:cNvPr id="9" name="矩形: 圆角 8">
-              <a:extLst>
-                <a:ext uri="{FF2B5EF4-FFF2-40B4-BE49-F238E27FC236}">
-                  <a16:creationId xmlns:a16="http://schemas.microsoft.com/office/drawing/2014/main" id="{DED4702A-F03F-4C90-903F-6E04176940CE}"/>
-                </a:ext>
-              </a:extLst>
-            </p:cNvPr>
-            <p:cNvSpPr/>
-            <p:nvPr/>
-          </p:nvSpPr>
-          <p:spPr>
-            <a:xfrm>
-              <a:off x="1159945" y="909698"/>
-              <a:ext cx="590293" cy="4610100"/>
-            </a:xfrm>
-            <a:prstGeom prst="roundRect">
-              <a:avLst/>
-            </a:prstGeom>
-            <a:solidFill>
-              <a:schemeClr val="bg1">
-                <a:lumMod val="95000"/>
-              </a:schemeClr>
-            </a:solidFill>
-            <a:ln>
-              <a:noFill/>
-            </a:ln>
-          </p:spPr>
-          <p:style>
-            <a:lnRef idx="2">
-              <a:schemeClr val="accent1">
-                <a:shade val="50000"/>
-              </a:schemeClr>
-            </a:lnRef>
-            <a:fillRef idx="1">
-              <a:schemeClr val="accent1"/>
-            </a:fillRef>
-            <a:effectRef idx="0">
-              <a:schemeClr val="accent1"/>
-            </a:effectRef>
-            <a:fontRef idx="minor">
-              <a:schemeClr val="lt1"/>
-            </a:fontRef>
-          </p:style>
-          <p:txBody>
-            <a:bodyPr rot="0" spcFirstLastPara="0" vertOverflow="overflow" horzOverflow="overflow" vert="horz" wrap="square" lIns="91440" tIns="45720" rIns="91440" bIns="45720" numCol="1" spcCol="0" rtlCol="0" fromWordArt="0" anchor="ctr" anchorCtr="0" forceAA="0" compatLnSpc="1">
-              <a:prstTxWarp prst="textNoShape">
-                <a:avLst/>
-              </a:prstTxWarp>
-              <a:noAutofit/>
-            </a:bodyPr>
-            <a:lstStyle/>
-            <a:p>
-              <a:pPr algn="ctr"/>
-              <a:endParaRPr lang="zh-CN" altLang="en-US" sz="1400" b="1">
-                <a:latin typeface="Montserrat" panose="00000500000000000000" pitchFamily="50" charset="0"/>
-              </a:endParaRPr>
-            </a:p>
-          </p:txBody>
-        </p:sp>
-        <p:sp>
-          <p:nvSpPr>
-            <p:cNvPr id="13" name="矩形: 圆角 12">
-              <a:extLst>
-                <a:ext uri="{FF2B5EF4-FFF2-40B4-BE49-F238E27FC236}">
-                  <a16:creationId xmlns:a16="http://schemas.microsoft.com/office/drawing/2014/main" id="{57D40DF2-A3FE-4FC4-8C70-13F6D2DC168F}"/>
-                </a:ext>
-              </a:extLst>
-            </p:cNvPr>
-            <p:cNvSpPr/>
-            <p:nvPr/>
-          </p:nvSpPr>
-          <p:spPr>
-            <a:xfrm>
-              <a:off x="2274821" y="909698"/>
-              <a:ext cx="590293" cy="4610100"/>
-            </a:xfrm>
-            <a:prstGeom prst="roundRect">
-              <a:avLst/>
-            </a:prstGeom>
-            <a:solidFill>
-              <a:schemeClr val="bg1">
-                <a:lumMod val="95000"/>
-              </a:schemeClr>
-            </a:solidFill>
-            <a:ln>
-              <a:noFill/>
-            </a:ln>
-          </p:spPr>
-          <p:style>
-            <a:lnRef idx="2">
-              <a:schemeClr val="accent1">
-                <a:shade val="50000"/>
-              </a:schemeClr>
-            </a:lnRef>
-            <a:fillRef idx="1">
-              <a:schemeClr val="accent1"/>
-            </a:fillRef>
-            <a:effectRef idx="0">
-              <a:schemeClr val="accent1"/>
-            </a:effectRef>
-            <a:fontRef idx="minor">
-              <a:schemeClr val="lt1"/>
-            </a:fontRef>
-          </p:style>
-          <p:txBody>
-            <a:bodyPr rot="0" spcFirstLastPara="0" vertOverflow="overflow" horzOverflow="overflow" vert="horz" wrap="square" lIns="91440" tIns="45720" rIns="91440" bIns="45720" numCol="1" spcCol="0" rtlCol="0" fromWordArt="0" anchor="ctr" anchorCtr="0" forceAA="0" compatLnSpc="1">
-              <a:prstTxWarp prst="textNoShape">
-                <a:avLst/>
-              </a:prstTxWarp>
-              <a:noAutofit/>
-            </a:bodyPr>
-            <a:lstStyle/>
-            <a:p>
-              <a:pPr algn="ctr"/>
-              <a:endParaRPr lang="zh-CN" altLang="en-US" sz="1400" b="1">
-                <a:latin typeface="Montserrat" panose="00000500000000000000" pitchFamily="50" charset="0"/>
-              </a:endParaRPr>
-            </a:p>
-          </p:txBody>
-        </p:sp>
-        <p:sp>
-          <p:nvSpPr>
-            <p:cNvPr id="16" name="文本框 15">
-              <a:extLst>
-                <a:ext uri="{FF2B5EF4-FFF2-40B4-BE49-F238E27FC236}">
-                  <a16:creationId xmlns:a16="http://schemas.microsoft.com/office/drawing/2014/main" id="{EB93D7F6-E6C7-40C6-9FE1-53A4E4944A3A}"/>
-                </a:ext>
-              </a:extLst>
-            </p:cNvPr>
-            <p:cNvSpPr txBox="1"/>
-            <p:nvPr/>
-          </p:nvSpPr>
-          <p:spPr>
-            <a:xfrm>
-              <a:off x="1786957" y="2922360"/>
-              <a:ext cx="473082" cy="548942"/>
-            </a:xfrm>
-            <a:prstGeom prst="rect">
-              <a:avLst/>
-            </a:prstGeom>
-            <a:noFill/>
-          </p:spPr>
-          <p:txBody>
-            <a:bodyPr wrap="none" rtlCol="0">
-              <a:spAutoFit/>
-            </a:bodyPr>
-            <a:lstStyle/>
-            <a:p>
-              <a:r>
-                <a:rPr lang="en-US" altLang="zh-CN" sz="2400" b="1" dirty="0">
-                  <a:solidFill>
-                    <a:schemeClr val="tx2">
-                      <a:alpha val="76000"/>
-                    </a:schemeClr>
-                  </a:solidFill>
-                </a:rPr>
-                <a:t>+</a:t>
-              </a:r>
-              <a:endParaRPr lang="zh-CN" altLang="en-US" sz="2400" b="1" dirty="0">
-                <a:solidFill>
-                  <a:schemeClr val="tx2">
-                    <a:alpha val="76000"/>
-                  </a:schemeClr>
-                </a:solidFill>
-              </a:endParaRPr>
-            </a:p>
-          </p:txBody>
-        </p:sp>
-        <p:sp>
-          <p:nvSpPr>
-            <p:cNvPr id="17" name="文本框 16">
-              <a:extLst>
-                <a:ext uri="{FF2B5EF4-FFF2-40B4-BE49-F238E27FC236}">
-                  <a16:creationId xmlns:a16="http://schemas.microsoft.com/office/drawing/2014/main" id="{963DA638-5E57-43AE-9531-968EFD1B9588}"/>
-                </a:ext>
-              </a:extLst>
-            </p:cNvPr>
-            <p:cNvSpPr txBox="1"/>
-            <p:nvPr/>
-          </p:nvSpPr>
-          <p:spPr>
-            <a:xfrm>
-              <a:off x="1231710" y="5905552"/>
-              <a:ext cx="1580496" cy="512346"/>
-            </a:xfrm>
-            <a:prstGeom prst="rect">
-              <a:avLst/>
-            </a:prstGeom>
-            <a:noFill/>
-          </p:spPr>
-          <p:txBody>
-            <a:bodyPr wrap="none" rtlCol="0">
-              <a:spAutoFit/>
-            </a:bodyPr>
-            <a:lstStyle/>
-            <a:p>
-              <a:pPr algn="ctr"/>
-              <a:r>
-                <a:rPr lang="en-US" altLang="zh-CN" sz="1200" b="1" dirty="0">
-                  <a:solidFill>
-                    <a:srgbClr val="333F50"/>
-                  </a:solidFill>
-                  <a:latin typeface="Montserrat" panose="00000500000000000000" pitchFamily="50" charset="0"/>
-                </a:rPr>
-                <a:t>TYPE a</a:t>
-              </a:r>
-            </a:p>
-            <a:p>
-              <a:pPr lvl="0" algn="ctr"/>
-              <a:r>
-                <a:rPr lang="en-US" altLang="zh-CN" sz="1000" dirty="0">
-                  <a:solidFill>
-                    <a:prstClr val="white">
-                      <a:lumMod val="75000"/>
-                    </a:prstClr>
-                  </a:solidFill>
-                  <a:latin typeface="Montserrat" panose="00000500000000000000" pitchFamily="50" charset="0"/>
-                </a:rPr>
-                <a:t>Complete overlap</a:t>
-              </a:r>
-              <a:endParaRPr lang="zh-CN" altLang="en-US" sz="1000" dirty="0">
-                <a:solidFill>
-                  <a:prstClr val="white">
-                    <a:lumMod val="75000"/>
-                  </a:prstClr>
-                </a:solidFill>
-                <a:latin typeface="Montserrat" panose="00000500000000000000" pitchFamily="50" charset="0"/>
-              </a:endParaRPr>
-            </a:p>
-          </p:txBody>
-        </p:sp>
-        <p:sp>
-          <p:nvSpPr>
-            <p:cNvPr id="18" name="矩形: 圆角 17">
-              <a:extLst>
-                <a:ext uri="{FF2B5EF4-FFF2-40B4-BE49-F238E27FC236}">
-                  <a16:creationId xmlns:a16="http://schemas.microsoft.com/office/drawing/2014/main" id="{621D1419-30CF-45C9-8773-5EA00D628DD7}"/>
-                </a:ext>
-              </a:extLst>
-            </p:cNvPr>
-            <p:cNvSpPr/>
-            <p:nvPr/>
-          </p:nvSpPr>
-          <p:spPr>
-            <a:xfrm>
-              <a:off x="1168877" y="1500248"/>
-              <a:ext cx="590293" cy="2129029"/>
-            </a:xfrm>
-            <a:prstGeom prst="roundRect">
-              <a:avLst/>
-            </a:prstGeom>
-            <a:solidFill>
-              <a:schemeClr val="tx2">
-                <a:lumMod val="75000"/>
-                <a:alpha val="73000"/>
-              </a:schemeClr>
-            </a:solidFill>
-            <a:ln>
-              <a:noFill/>
-            </a:ln>
-          </p:spPr>
-          <p:style>
-            <a:lnRef idx="2">
-              <a:schemeClr val="accent1">
-                <a:shade val="50000"/>
-              </a:schemeClr>
-            </a:lnRef>
-            <a:fillRef idx="1">
-              <a:schemeClr val="accent1"/>
-            </a:fillRef>
-            <a:effectRef idx="0">
-              <a:schemeClr val="accent1"/>
-            </a:effectRef>
-            <a:fontRef idx="minor">
-              <a:schemeClr val="lt1"/>
-            </a:fontRef>
-          </p:style>
-          <p:txBody>
-            <a:bodyPr rot="0" spcFirstLastPara="0" vertOverflow="overflow" horzOverflow="overflow" vert="horz" wrap="square" lIns="91440" tIns="45720" rIns="91440" bIns="45720" numCol="1" spcCol="0" rtlCol="0" fromWordArt="0" anchor="ctr" anchorCtr="0" forceAA="0" compatLnSpc="1">
-              <a:prstTxWarp prst="textNoShape">
-                <a:avLst/>
-              </a:prstTxWarp>
-              <a:noAutofit/>
-            </a:bodyPr>
-            <a:lstStyle/>
-            <a:p>
-              <a:pPr algn="ctr"/>
-              <a:r>
-                <a:rPr lang="en-US" altLang="zh-CN" sz="1400" b="1" dirty="0">
-                  <a:latin typeface="Montserrat" panose="00000500000000000000" pitchFamily="50" charset="0"/>
-                </a:rPr>
-                <a:t>A</a:t>
-              </a:r>
-              <a:endParaRPr lang="zh-CN" altLang="en-US" sz="1400" b="1" dirty="0">
-                <a:latin typeface="Montserrat" panose="00000500000000000000" pitchFamily="50" charset="0"/>
-              </a:endParaRPr>
-            </a:p>
-          </p:txBody>
-        </p:sp>
-        <p:sp>
-          <p:nvSpPr>
-            <p:cNvPr id="19" name="矩形: 圆角 18">
-              <a:extLst>
-                <a:ext uri="{FF2B5EF4-FFF2-40B4-BE49-F238E27FC236}">
-                  <a16:creationId xmlns:a16="http://schemas.microsoft.com/office/drawing/2014/main" id="{EFF3A014-C9FF-4DE3-B8E4-B34A2EDAB83A}"/>
-                </a:ext>
-              </a:extLst>
-            </p:cNvPr>
-            <p:cNvSpPr/>
-            <p:nvPr/>
-          </p:nvSpPr>
-          <p:spPr>
-            <a:xfrm>
-              <a:off x="2276007" y="1500247"/>
-              <a:ext cx="590293" cy="2129029"/>
-            </a:xfrm>
-            <a:prstGeom prst="roundRect">
-              <a:avLst/>
-            </a:prstGeom>
-            <a:solidFill>
-              <a:schemeClr val="accent1">
-                <a:alpha val="61000"/>
-              </a:schemeClr>
-            </a:solidFill>
-            <a:ln>
-              <a:noFill/>
-            </a:ln>
-          </p:spPr>
-          <p:style>
-            <a:lnRef idx="2">
-              <a:schemeClr val="accent1">
-                <a:shade val="50000"/>
-              </a:schemeClr>
-            </a:lnRef>
-            <a:fillRef idx="1">
-              <a:schemeClr val="accent1"/>
-            </a:fillRef>
-            <a:effectRef idx="0">
-              <a:schemeClr val="accent1"/>
-            </a:effectRef>
-            <a:fontRef idx="minor">
-              <a:schemeClr val="lt1"/>
-            </a:fontRef>
-          </p:style>
-          <p:txBody>
-            <a:bodyPr rot="0" spcFirstLastPara="0" vertOverflow="overflow" horzOverflow="overflow" vert="horz" wrap="square" lIns="91440" tIns="45720" rIns="91440" bIns="45720" numCol="1" spcCol="0" rtlCol="0" fromWordArt="0" anchor="ctr" anchorCtr="0" forceAA="0" compatLnSpc="1">
-              <a:prstTxWarp prst="textNoShape">
-                <a:avLst/>
-              </a:prstTxWarp>
-              <a:noAutofit/>
-            </a:bodyPr>
-            <a:lstStyle/>
-            <a:p>
-              <a:pPr algn="ctr"/>
-              <a:r>
-                <a:rPr lang="en-US" altLang="zh-CN" sz="1400" b="1" dirty="0">
-                  <a:latin typeface="Montserrat" panose="00000500000000000000" pitchFamily="50" charset="0"/>
-                </a:rPr>
-                <a:t>B</a:t>
-              </a:r>
-              <a:endParaRPr lang="zh-CN" altLang="en-US" sz="1400" b="1" dirty="0">
-                <a:latin typeface="Montserrat" panose="00000500000000000000" pitchFamily="50" charset="0"/>
-              </a:endParaRPr>
-            </a:p>
-          </p:txBody>
-        </p:sp>
-        <p:sp>
-          <p:nvSpPr>
-            <p:cNvPr id="20" name="矩形: 圆角 19">
-              <a:extLst>
-                <a:ext uri="{FF2B5EF4-FFF2-40B4-BE49-F238E27FC236}">
-                  <a16:creationId xmlns:a16="http://schemas.microsoft.com/office/drawing/2014/main" id="{2B16D59C-BC57-4FC5-94B9-8254DA56ADF7}"/>
-                </a:ext>
-              </a:extLst>
-            </p:cNvPr>
-            <p:cNvSpPr/>
-            <p:nvPr/>
-          </p:nvSpPr>
-          <p:spPr>
-            <a:xfrm>
-              <a:off x="4219569" y="909698"/>
-              <a:ext cx="590293" cy="4610100"/>
-            </a:xfrm>
-            <a:prstGeom prst="roundRect">
-              <a:avLst/>
-            </a:prstGeom>
-            <a:solidFill>
-              <a:schemeClr val="bg1">
-                <a:lumMod val="95000"/>
-              </a:schemeClr>
-            </a:solidFill>
-            <a:ln>
-              <a:noFill/>
-            </a:ln>
-          </p:spPr>
-          <p:style>
-            <a:lnRef idx="2">
-              <a:schemeClr val="accent1">
-                <a:shade val="50000"/>
-              </a:schemeClr>
-            </a:lnRef>
-            <a:fillRef idx="1">
-              <a:schemeClr val="accent1"/>
-            </a:fillRef>
-            <a:effectRef idx="0">
-              <a:schemeClr val="accent1"/>
-            </a:effectRef>
-            <a:fontRef idx="minor">
-              <a:schemeClr val="lt1"/>
-            </a:fontRef>
-          </p:style>
-          <p:txBody>
-            <a:bodyPr rot="0" spcFirstLastPara="0" vertOverflow="overflow" horzOverflow="overflow" vert="horz" wrap="square" lIns="91440" tIns="45720" rIns="91440" bIns="45720" numCol="1" spcCol="0" rtlCol="0" fromWordArt="0" anchor="ctr" anchorCtr="0" forceAA="0" compatLnSpc="1">
-              <a:prstTxWarp prst="textNoShape">
-                <a:avLst/>
-              </a:prstTxWarp>
-              <a:noAutofit/>
-            </a:bodyPr>
-            <a:lstStyle/>
-            <a:p>
-              <a:pPr algn="ctr"/>
-              <a:endParaRPr lang="zh-CN" altLang="en-US" sz="1400" b="1">
-                <a:latin typeface="Montserrat" panose="00000500000000000000" pitchFamily="50" charset="0"/>
-              </a:endParaRPr>
-            </a:p>
-          </p:txBody>
-        </p:sp>
-        <p:sp>
-          <p:nvSpPr>
-            <p:cNvPr id="21" name="矩形: 圆角 20">
-              <a:extLst>
-                <a:ext uri="{FF2B5EF4-FFF2-40B4-BE49-F238E27FC236}">
-                  <a16:creationId xmlns:a16="http://schemas.microsoft.com/office/drawing/2014/main" id="{2C70A08E-4105-4410-A55E-FDEBB10AB33B}"/>
-                </a:ext>
-              </a:extLst>
-            </p:cNvPr>
-            <p:cNvSpPr/>
-            <p:nvPr/>
-          </p:nvSpPr>
-          <p:spPr>
-            <a:xfrm>
-              <a:off x="5334445" y="909698"/>
-              <a:ext cx="590293" cy="4610100"/>
-            </a:xfrm>
-            <a:prstGeom prst="roundRect">
-              <a:avLst/>
-            </a:prstGeom>
-            <a:solidFill>
-              <a:schemeClr val="bg1">
-                <a:lumMod val="95000"/>
-              </a:schemeClr>
-            </a:solidFill>
-            <a:ln>
-              <a:noFill/>
-            </a:ln>
-          </p:spPr>
-          <p:style>
-            <a:lnRef idx="2">
-              <a:schemeClr val="accent1">
-                <a:shade val="50000"/>
-              </a:schemeClr>
-            </a:lnRef>
-            <a:fillRef idx="1">
-              <a:schemeClr val="accent1"/>
-            </a:fillRef>
-            <a:effectRef idx="0">
-              <a:schemeClr val="accent1"/>
-            </a:effectRef>
-            <a:fontRef idx="minor">
-              <a:schemeClr val="lt1"/>
-            </a:fontRef>
-          </p:style>
-          <p:txBody>
-            <a:bodyPr rot="0" spcFirstLastPara="0" vertOverflow="overflow" horzOverflow="overflow" vert="horz" wrap="square" lIns="91440" tIns="45720" rIns="91440" bIns="45720" numCol="1" spcCol="0" rtlCol="0" fromWordArt="0" anchor="ctr" anchorCtr="0" forceAA="0" compatLnSpc="1">
-              <a:prstTxWarp prst="textNoShape">
-                <a:avLst/>
-              </a:prstTxWarp>
-              <a:noAutofit/>
-            </a:bodyPr>
-            <a:lstStyle/>
-            <a:p>
-              <a:pPr algn="ctr"/>
-              <a:endParaRPr lang="zh-CN" altLang="en-US" sz="1400" b="1">
-                <a:latin typeface="Montserrat" panose="00000500000000000000" pitchFamily="50" charset="0"/>
-              </a:endParaRPr>
-            </a:p>
-          </p:txBody>
-        </p:sp>
-        <p:sp>
-          <p:nvSpPr>
-            <p:cNvPr id="22" name="文本框 21">
-              <a:extLst>
-                <a:ext uri="{FF2B5EF4-FFF2-40B4-BE49-F238E27FC236}">
-                  <a16:creationId xmlns:a16="http://schemas.microsoft.com/office/drawing/2014/main" id="{93743D26-D4CE-4756-930B-BA9B784F50B4}"/>
-                </a:ext>
-              </a:extLst>
-            </p:cNvPr>
-            <p:cNvSpPr txBox="1"/>
-            <p:nvPr/>
-          </p:nvSpPr>
-          <p:spPr>
-            <a:xfrm>
-              <a:off x="4846581" y="2922360"/>
-              <a:ext cx="473082" cy="548942"/>
-            </a:xfrm>
-            <a:prstGeom prst="rect">
-              <a:avLst/>
-            </a:prstGeom>
-            <a:noFill/>
-          </p:spPr>
-          <p:txBody>
-            <a:bodyPr wrap="none" rtlCol="0">
-              <a:spAutoFit/>
-            </a:bodyPr>
-            <a:lstStyle/>
-            <a:p>
-              <a:r>
-                <a:rPr lang="en-US" altLang="zh-CN" sz="2400" b="1" dirty="0">
-                  <a:solidFill>
-                    <a:schemeClr val="tx2">
-                      <a:alpha val="76000"/>
-                    </a:schemeClr>
-                  </a:solidFill>
-                </a:rPr>
-                <a:t>+</a:t>
-              </a:r>
-              <a:endParaRPr lang="zh-CN" altLang="en-US" sz="2400" b="1" dirty="0">
-                <a:solidFill>
-                  <a:schemeClr val="tx2">
-                    <a:alpha val="76000"/>
-                  </a:schemeClr>
-                </a:solidFill>
-              </a:endParaRPr>
-            </a:p>
-          </p:txBody>
-        </p:sp>
-        <p:sp>
-          <p:nvSpPr>
-            <p:cNvPr id="23" name="文本框 22">
-              <a:extLst>
-                <a:ext uri="{FF2B5EF4-FFF2-40B4-BE49-F238E27FC236}">
-                  <a16:creationId xmlns:a16="http://schemas.microsoft.com/office/drawing/2014/main" id="{1E74BF51-6172-4212-A9BF-06C77C427660}"/>
-                </a:ext>
-              </a:extLst>
-            </p:cNvPr>
-            <p:cNvSpPr txBox="1"/>
-            <p:nvPr/>
-          </p:nvSpPr>
-          <p:spPr>
-            <a:xfrm>
-              <a:off x="4438100" y="5905552"/>
-              <a:ext cx="1286965" cy="512346"/>
-            </a:xfrm>
-            <a:prstGeom prst="rect">
-              <a:avLst/>
-            </a:prstGeom>
-            <a:noFill/>
-          </p:spPr>
-          <p:txBody>
-            <a:bodyPr wrap="none" rtlCol="0">
-              <a:spAutoFit/>
-            </a:bodyPr>
-            <a:lstStyle/>
-            <a:p>
-              <a:pPr algn="ctr"/>
-              <a:r>
-                <a:rPr lang="en-US" altLang="zh-CN" sz="1200" b="1" dirty="0">
-                  <a:solidFill>
-                    <a:srgbClr val="333F50"/>
-                  </a:solidFill>
-                  <a:latin typeface="Montserrat" panose="00000500000000000000" pitchFamily="50" charset="0"/>
-                </a:rPr>
-                <a:t>TYPE b</a:t>
-              </a:r>
-            </a:p>
-            <a:p>
-              <a:pPr lvl="0" algn="ctr"/>
-              <a:r>
-                <a:rPr lang="en-US" altLang="zh-CN" sz="1000" dirty="0">
-                  <a:solidFill>
-                    <a:prstClr val="white">
-                      <a:lumMod val="75000"/>
-                    </a:prstClr>
-                  </a:solidFill>
-                  <a:latin typeface="Montserrat" panose="00000500000000000000" pitchFamily="50" charset="0"/>
-                </a:rPr>
-                <a:t>Proper subset</a:t>
-              </a:r>
-              <a:endParaRPr lang="zh-CN" altLang="en-US" sz="1000" dirty="0">
-                <a:solidFill>
-                  <a:prstClr val="white">
-                    <a:lumMod val="75000"/>
-                  </a:prstClr>
-                </a:solidFill>
-                <a:latin typeface="Montserrat" panose="00000500000000000000" pitchFamily="50" charset="0"/>
-              </a:endParaRPr>
-            </a:p>
-          </p:txBody>
-        </p:sp>
-        <p:sp>
-          <p:nvSpPr>
-            <p:cNvPr id="24" name="矩形: 圆角 23">
-              <a:extLst>
-                <a:ext uri="{FF2B5EF4-FFF2-40B4-BE49-F238E27FC236}">
-                  <a16:creationId xmlns:a16="http://schemas.microsoft.com/office/drawing/2014/main" id="{CF8EFEB5-20AB-4F10-88B2-4201287E355C}"/>
-                </a:ext>
-              </a:extLst>
-            </p:cNvPr>
-            <p:cNvSpPr/>
-            <p:nvPr/>
-          </p:nvSpPr>
-          <p:spPr>
-            <a:xfrm>
-              <a:off x="4228501" y="1857845"/>
-              <a:ext cx="590293" cy="2129029"/>
-            </a:xfrm>
-            <a:prstGeom prst="roundRect">
-              <a:avLst/>
-            </a:prstGeom>
-            <a:solidFill>
-              <a:schemeClr val="tx2">
-                <a:lumMod val="75000"/>
-                <a:alpha val="73000"/>
-              </a:schemeClr>
-            </a:solidFill>
-            <a:ln>
-              <a:noFill/>
-            </a:ln>
-          </p:spPr>
-          <p:style>
-            <a:lnRef idx="2">
-              <a:schemeClr val="accent1">
-                <a:shade val="50000"/>
-              </a:schemeClr>
-            </a:lnRef>
-            <a:fillRef idx="1">
-              <a:schemeClr val="accent1"/>
-            </a:fillRef>
-            <a:effectRef idx="0">
-              <a:schemeClr val="accent1"/>
-            </a:effectRef>
-            <a:fontRef idx="minor">
-              <a:schemeClr val="lt1"/>
-            </a:fontRef>
-          </p:style>
-          <p:txBody>
-            <a:bodyPr rot="0" spcFirstLastPara="0" vertOverflow="overflow" horzOverflow="overflow" vert="horz" wrap="square" lIns="91440" tIns="45720" rIns="91440" bIns="45720" numCol="1" spcCol="0" rtlCol="0" fromWordArt="0" anchor="ctr" anchorCtr="0" forceAA="0" compatLnSpc="1">
-              <a:prstTxWarp prst="textNoShape">
-                <a:avLst/>
-              </a:prstTxWarp>
-              <a:noAutofit/>
-            </a:bodyPr>
-            <a:lstStyle/>
-            <a:p>
-              <a:pPr algn="ctr"/>
-              <a:r>
-                <a:rPr lang="en-US" altLang="zh-CN" sz="1400" b="1" dirty="0">
-                  <a:latin typeface="Montserrat" panose="00000500000000000000" pitchFamily="50" charset="0"/>
-                </a:rPr>
-                <a:t>A</a:t>
-              </a:r>
-              <a:endParaRPr lang="zh-CN" altLang="en-US" sz="1400" b="1" dirty="0">
-                <a:latin typeface="Montserrat" panose="00000500000000000000" pitchFamily="50" charset="0"/>
-              </a:endParaRPr>
-            </a:p>
-          </p:txBody>
-        </p:sp>
-        <p:sp>
-          <p:nvSpPr>
-            <p:cNvPr id="25" name="矩形: 圆角 24">
-              <a:extLst>
-                <a:ext uri="{FF2B5EF4-FFF2-40B4-BE49-F238E27FC236}">
-                  <a16:creationId xmlns:a16="http://schemas.microsoft.com/office/drawing/2014/main" id="{593B669B-581F-48F4-B301-15AAD1B29E67}"/>
-                </a:ext>
-              </a:extLst>
-            </p:cNvPr>
-            <p:cNvSpPr/>
-            <p:nvPr/>
-          </p:nvSpPr>
-          <p:spPr>
-            <a:xfrm>
-              <a:off x="5335631" y="1338202"/>
-              <a:ext cx="590293" cy="3713187"/>
-            </a:xfrm>
-            <a:prstGeom prst="roundRect">
-              <a:avLst/>
-            </a:prstGeom>
-            <a:solidFill>
-              <a:schemeClr val="accent1">
-                <a:alpha val="61000"/>
-              </a:schemeClr>
-            </a:solidFill>
-            <a:ln>
-              <a:noFill/>
-            </a:ln>
-          </p:spPr>
-          <p:style>
-            <a:lnRef idx="2">
-              <a:schemeClr val="accent1">
-                <a:shade val="50000"/>
-              </a:schemeClr>
-            </a:lnRef>
-            <a:fillRef idx="1">
-              <a:schemeClr val="accent1"/>
-            </a:fillRef>
-            <a:effectRef idx="0">
-              <a:schemeClr val="accent1"/>
-            </a:effectRef>
-            <a:fontRef idx="minor">
-              <a:schemeClr val="lt1"/>
-            </a:fontRef>
-          </p:style>
-          <p:txBody>
-            <a:bodyPr rot="0" spcFirstLastPara="0" vertOverflow="overflow" horzOverflow="overflow" vert="horz" wrap="square" lIns="91440" tIns="45720" rIns="91440" bIns="45720" numCol="1" spcCol="0" rtlCol="0" fromWordArt="0" anchor="ctr" anchorCtr="0" forceAA="0" compatLnSpc="1">
-              <a:prstTxWarp prst="textNoShape">
-                <a:avLst/>
-              </a:prstTxWarp>
-              <a:noAutofit/>
-            </a:bodyPr>
-            <a:lstStyle/>
-            <a:p>
-              <a:pPr algn="ctr"/>
-              <a:r>
-                <a:rPr lang="en-US" altLang="zh-CN" sz="1400" b="1" dirty="0">
-                  <a:latin typeface="Montserrat" panose="00000500000000000000" pitchFamily="50" charset="0"/>
-                </a:rPr>
-                <a:t>B</a:t>
-              </a:r>
-              <a:endParaRPr lang="zh-CN" altLang="en-US" sz="1400" b="1" dirty="0">
-                <a:latin typeface="Montserrat" panose="00000500000000000000" pitchFamily="50" charset="0"/>
-              </a:endParaRPr>
-            </a:p>
-          </p:txBody>
-        </p:sp>
-        <p:sp>
-          <p:nvSpPr>
-            <p:cNvPr id="26" name="矩形: 圆角 25">
-              <a:extLst>
-                <a:ext uri="{FF2B5EF4-FFF2-40B4-BE49-F238E27FC236}">
-                  <a16:creationId xmlns:a16="http://schemas.microsoft.com/office/drawing/2014/main" id="{08A883DE-D751-4241-A24D-ADD8D12C755A}"/>
-                </a:ext>
-              </a:extLst>
-            </p:cNvPr>
-            <p:cNvSpPr/>
-            <p:nvPr/>
-          </p:nvSpPr>
-          <p:spPr>
-            <a:xfrm>
-              <a:off x="7272245" y="911632"/>
-              <a:ext cx="590293" cy="4610100"/>
-            </a:xfrm>
-            <a:prstGeom prst="roundRect">
-              <a:avLst/>
-            </a:prstGeom>
-            <a:solidFill>
-              <a:schemeClr val="bg1">
-                <a:lumMod val="95000"/>
-              </a:schemeClr>
-            </a:solidFill>
-            <a:ln>
-              <a:noFill/>
-            </a:ln>
-          </p:spPr>
-          <p:style>
-            <a:lnRef idx="2">
-              <a:schemeClr val="accent1">
-                <a:shade val="50000"/>
-              </a:schemeClr>
-            </a:lnRef>
-            <a:fillRef idx="1">
-              <a:schemeClr val="accent1"/>
-            </a:fillRef>
-            <a:effectRef idx="0">
-              <a:schemeClr val="accent1"/>
-            </a:effectRef>
-            <a:fontRef idx="minor">
-              <a:schemeClr val="lt1"/>
-            </a:fontRef>
-          </p:style>
-          <p:txBody>
-            <a:bodyPr rot="0" spcFirstLastPara="0" vertOverflow="overflow" horzOverflow="overflow" vert="horz" wrap="square" lIns="91440" tIns="45720" rIns="91440" bIns="45720" numCol="1" spcCol="0" rtlCol="0" fromWordArt="0" anchor="ctr" anchorCtr="0" forceAA="0" compatLnSpc="1">
-              <a:prstTxWarp prst="textNoShape">
-                <a:avLst/>
-              </a:prstTxWarp>
-              <a:noAutofit/>
-            </a:bodyPr>
-            <a:lstStyle/>
-            <a:p>
-              <a:pPr algn="ctr"/>
-              <a:endParaRPr lang="zh-CN" altLang="en-US" sz="1400" b="1">
-                <a:latin typeface="Montserrat" panose="00000500000000000000" pitchFamily="50" charset="0"/>
-              </a:endParaRPr>
-            </a:p>
-          </p:txBody>
-        </p:sp>
-        <p:sp>
-          <p:nvSpPr>
-            <p:cNvPr id="27" name="矩形: 圆角 26">
-              <a:extLst>
-                <a:ext uri="{FF2B5EF4-FFF2-40B4-BE49-F238E27FC236}">
-                  <a16:creationId xmlns:a16="http://schemas.microsoft.com/office/drawing/2014/main" id="{55C7A651-212E-4A73-AC3D-82193F8AAC72}"/>
-                </a:ext>
-              </a:extLst>
-            </p:cNvPr>
-            <p:cNvSpPr/>
-            <p:nvPr/>
-          </p:nvSpPr>
-          <p:spPr>
-            <a:xfrm>
-              <a:off x="8387121" y="911632"/>
-              <a:ext cx="590293" cy="4610100"/>
-            </a:xfrm>
-            <a:prstGeom prst="roundRect">
-              <a:avLst/>
-            </a:prstGeom>
-            <a:solidFill>
-              <a:schemeClr val="bg1">
-                <a:lumMod val="95000"/>
-              </a:schemeClr>
-            </a:solidFill>
-            <a:ln>
-              <a:noFill/>
-            </a:ln>
-          </p:spPr>
-          <p:style>
-            <a:lnRef idx="2">
-              <a:schemeClr val="accent1">
-                <a:shade val="50000"/>
-              </a:schemeClr>
-            </a:lnRef>
-            <a:fillRef idx="1">
-              <a:schemeClr val="accent1"/>
-            </a:fillRef>
-            <a:effectRef idx="0">
-              <a:schemeClr val="accent1"/>
-            </a:effectRef>
-            <a:fontRef idx="minor">
-              <a:schemeClr val="lt1"/>
-            </a:fontRef>
-          </p:style>
-          <p:txBody>
-            <a:bodyPr rot="0" spcFirstLastPara="0" vertOverflow="overflow" horzOverflow="overflow" vert="horz" wrap="square" lIns="91440" tIns="45720" rIns="91440" bIns="45720" numCol="1" spcCol="0" rtlCol="0" fromWordArt="0" anchor="ctr" anchorCtr="0" forceAA="0" compatLnSpc="1">
-              <a:prstTxWarp prst="textNoShape">
-                <a:avLst/>
-              </a:prstTxWarp>
-              <a:noAutofit/>
-            </a:bodyPr>
-            <a:lstStyle/>
-            <a:p>
-              <a:pPr algn="ctr"/>
-              <a:endParaRPr lang="zh-CN" altLang="en-US" sz="1400" b="1">
-                <a:latin typeface="Montserrat" panose="00000500000000000000" pitchFamily="50" charset="0"/>
-              </a:endParaRPr>
-            </a:p>
-          </p:txBody>
-        </p:sp>
-        <p:sp>
-          <p:nvSpPr>
-            <p:cNvPr id="28" name="文本框 27">
-              <a:extLst>
-                <a:ext uri="{FF2B5EF4-FFF2-40B4-BE49-F238E27FC236}">
-                  <a16:creationId xmlns:a16="http://schemas.microsoft.com/office/drawing/2014/main" id="{2F72CD0F-B747-4495-9350-F1DC53054D8C}"/>
-                </a:ext>
-              </a:extLst>
-            </p:cNvPr>
-            <p:cNvSpPr txBox="1"/>
-            <p:nvPr/>
-          </p:nvSpPr>
-          <p:spPr>
-            <a:xfrm>
-              <a:off x="7899257" y="2924294"/>
-              <a:ext cx="473082" cy="548942"/>
-            </a:xfrm>
-            <a:prstGeom prst="rect">
-              <a:avLst/>
-            </a:prstGeom>
-            <a:noFill/>
-          </p:spPr>
-          <p:txBody>
-            <a:bodyPr wrap="none" rtlCol="0">
-              <a:spAutoFit/>
-            </a:bodyPr>
-            <a:lstStyle/>
-            <a:p>
-              <a:r>
-                <a:rPr lang="en-US" altLang="zh-CN" sz="2400" b="1" dirty="0">
-                  <a:solidFill>
-                    <a:schemeClr val="tx2">
-                      <a:alpha val="76000"/>
-                    </a:schemeClr>
-                  </a:solidFill>
-                </a:rPr>
-                <a:t>+</a:t>
-              </a:r>
-              <a:endParaRPr lang="zh-CN" altLang="en-US" sz="2400" b="1" dirty="0">
-                <a:solidFill>
-                  <a:schemeClr val="tx2">
-                    <a:alpha val="76000"/>
-                  </a:schemeClr>
-                </a:solidFill>
-              </a:endParaRPr>
-            </a:p>
-          </p:txBody>
-        </p:sp>
-        <p:sp>
-          <p:nvSpPr>
-            <p:cNvPr id="29" name="文本框 28">
-              <a:extLst>
-                <a:ext uri="{FF2B5EF4-FFF2-40B4-BE49-F238E27FC236}">
-                  <a16:creationId xmlns:a16="http://schemas.microsoft.com/office/drawing/2014/main" id="{92363AA7-BB65-4477-9D7A-508D8B6C2601}"/>
-                </a:ext>
-              </a:extLst>
-            </p:cNvPr>
-            <p:cNvSpPr txBox="1"/>
-            <p:nvPr/>
-          </p:nvSpPr>
-          <p:spPr>
-            <a:xfrm>
-              <a:off x="7450750" y="5907486"/>
-              <a:ext cx="1367018" cy="512346"/>
-            </a:xfrm>
-            <a:prstGeom prst="rect">
-              <a:avLst/>
-            </a:prstGeom>
-            <a:noFill/>
-          </p:spPr>
-          <p:txBody>
-            <a:bodyPr wrap="none" rtlCol="0">
-              <a:spAutoFit/>
-            </a:bodyPr>
-            <a:lstStyle/>
-            <a:p>
-              <a:pPr algn="ctr"/>
-              <a:r>
-                <a:rPr lang="en-US" altLang="zh-CN" sz="1200" b="1" dirty="0">
-                  <a:solidFill>
-                    <a:srgbClr val="333F50"/>
-                  </a:solidFill>
-                  <a:latin typeface="Montserrat" panose="00000500000000000000" pitchFamily="50" charset="0"/>
-                </a:rPr>
-                <a:t>TYPE c</a:t>
-              </a:r>
-            </a:p>
-            <a:p>
-              <a:pPr lvl="0" algn="ctr"/>
-              <a:r>
-                <a:rPr lang="en-US" altLang="zh-CN" sz="1000" dirty="0">
-                  <a:solidFill>
-                    <a:prstClr val="white">
-                      <a:lumMod val="75000"/>
-                    </a:prstClr>
-                  </a:solidFill>
-                  <a:latin typeface="Montserrat" panose="00000500000000000000" pitchFamily="50" charset="0"/>
-                </a:rPr>
-                <a:t>Mutual overlap</a:t>
-              </a:r>
-              <a:endParaRPr lang="zh-CN" altLang="en-US" sz="1000" dirty="0">
-                <a:solidFill>
-                  <a:prstClr val="white">
-                    <a:lumMod val="75000"/>
-                  </a:prstClr>
-                </a:solidFill>
-                <a:latin typeface="Montserrat" panose="00000500000000000000" pitchFamily="50" charset="0"/>
-              </a:endParaRPr>
-            </a:p>
-          </p:txBody>
-        </p:sp>
-        <p:sp>
-          <p:nvSpPr>
-            <p:cNvPr id="30" name="矩形: 圆角 29">
-              <a:extLst>
-                <a:ext uri="{FF2B5EF4-FFF2-40B4-BE49-F238E27FC236}">
-                  <a16:creationId xmlns:a16="http://schemas.microsoft.com/office/drawing/2014/main" id="{8B1A2E66-E6B6-4AC4-A233-EB0F986B605F}"/>
-                </a:ext>
-              </a:extLst>
-            </p:cNvPr>
-            <p:cNvSpPr/>
-            <p:nvPr/>
-          </p:nvSpPr>
-          <p:spPr>
-            <a:xfrm>
-              <a:off x="7281177" y="1502182"/>
-              <a:ext cx="590293" cy="2129029"/>
-            </a:xfrm>
-            <a:prstGeom prst="roundRect">
-              <a:avLst/>
-            </a:prstGeom>
-            <a:solidFill>
-              <a:schemeClr val="tx2">
-                <a:lumMod val="75000"/>
-                <a:alpha val="73000"/>
-              </a:schemeClr>
-            </a:solidFill>
-            <a:ln>
-              <a:noFill/>
-            </a:ln>
-          </p:spPr>
-          <p:style>
-            <a:lnRef idx="2">
-              <a:schemeClr val="accent1">
-                <a:shade val="50000"/>
-              </a:schemeClr>
-            </a:lnRef>
-            <a:fillRef idx="1">
-              <a:schemeClr val="accent1"/>
-            </a:fillRef>
-            <a:effectRef idx="0">
-              <a:schemeClr val="accent1"/>
-            </a:effectRef>
-            <a:fontRef idx="minor">
-              <a:schemeClr val="lt1"/>
-            </a:fontRef>
-          </p:style>
-          <p:txBody>
-            <a:bodyPr rot="0" spcFirstLastPara="0" vertOverflow="overflow" horzOverflow="overflow" vert="horz" wrap="square" lIns="91440" tIns="45720" rIns="91440" bIns="45720" numCol="1" spcCol="0" rtlCol="0" fromWordArt="0" anchor="ctr" anchorCtr="0" forceAA="0" compatLnSpc="1">
-              <a:prstTxWarp prst="textNoShape">
-                <a:avLst/>
-              </a:prstTxWarp>
-              <a:noAutofit/>
-            </a:bodyPr>
-            <a:lstStyle/>
-            <a:p>
-              <a:pPr algn="ctr"/>
-              <a:r>
-                <a:rPr lang="en-US" altLang="zh-CN" sz="1400" b="1" dirty="0">
-                  <a:latin typeface="Montserrat" panose="00000500000000000000" pitchFamily="50" charset="0"/>
-                </a:rPr>
-                <a:t>A</a:t>
-              </a:r>
-              <a:endParaRPr lang="zh-CN" altLang="en-US" sz="1400" b="1" dirty="0">
-                <a:latin typeface="Montserrat" panose="00000500000000000000" pitchFamily="50" charset="0"/>
-              </a:endParaRPr>
-            </a:p>
-          </p:txBody>
-        </p:sp>
-        <p:sp>
-          <p:nvSpPr>
-            <p:cNvPr id="31" name="矩形: 圆角 30">
-              <a:extLst>
-                <a:ext uri="{FF2B5EF4-FFF2-40B4-BE49-F238E27FC236}">
-                  <a16:creationId xmlns:a16="http://schemas.microsoft.com/office/drawing/2014/main" id="{0E84D067-C10F-4345-B31A-2D487126F97D}"/>
-                </a:ext>
-              </a:extLst>
-            </p:cNvPr>
-            <p:cNvSpPr/>
-            <p:nvPr/>
-          </p:nvSpPr>
-          <p:spPr>
-            <a:xfrm>
-              <a:off x="8388307" y="2924294"/>
-              <a:ext cx="590293" cy="2129029"/>
-            </a:xfrm>
-            <a:prstGeom prst="roundRect">
-              <a:avLst/>
-            </a:prstGeom>
-            <a:solidFill>
-              <a:schemeClr val="accent1">
-                <a:alpha val="61000"/>
-              </a:schemeClr>
-            </a:solidFill>
-            <a:ln>
-              <a:noFill/>
-            </a:ln>
-          </p:spPr>
-          <p:style>
-            <a:lnRef idx="2">
-              <a:schemeClr val="accent1">
-                <a:shade val="50000"/>
-              </a:schemeClr>
-            </a:lnRef>
-            <a:fillRef idx="1">
-              <a:schemeClr val="accent1"/>
-            </a:fillRef>
-            <a:effectRef idx="0">
-              <a:schemeClr val="accent1"/>
-            </a:effectRef>
-            <a:fontRef idx="minor">
-              <a:schemeClr val="lt1"/>
-            </a:fontRef>
-          </p:style>
-          <p:txBody>
-            <a:bodyPr rot="0" spcFirstLastPara="0" vertOverflow="overflow" horzOverflow="overflow" vert="horz" wrap="square" lIns="91440" tIns="45720" rIns="91440" bIns="45720" numCol="1" spcCol="0" rtlCol="0" fromWordArt="0" anchor="ctr" anchorCtr="0" forceAA="0" compatLnSpc="1">
-              <a:prstTxWarp prst="textNoShape">
-                <a:avLst/>
-              </a:prstTxWarp>
-              <a:noAutofit/>
-            </a:bodyPr>
-            <a:lstStyle/>
-            <a:p>
-              <a:pPr algn="ctr"/>
-              <a:r>
-                <a:rPr lang="en-US" altLang="zh-CN" sz="1400" b="1" dirty="0">
-                  <a:latin typeface="Montserrat" panose="00000500000000000000" pitchFamily="50" charset="0"/>
-                </a:rPr>
-                <a:t>B</a:t>
-              </a:r>
-              <a:endParaRPr lang="zh-CN" altLang="en-US" sz="1400" b="1" dirty="0">
-                <a:latin typeface="Montserrat" panose="00000500000000000000" pitchFamily="50" charset="0"/>
-              </a:endParaRPr>
-            </a:p>
-          </p:txBody>
-        </p:sp>
-        <p:sp>
-          <p:nvSpPr>
-            <p:cNvPr id="32" name="矩形: 圆角 31">
-              <a:extLst>
-                <a:ext uri="{FF2B5EF4-FFF2-40B4-BE49-F238E27FC236}">
-                  <a16:creationId xmlns:a16="http://schemas.microsoft.com/office/drawing/2014/main" id="{36A7EF6F-E5F9-4C7B-BCD0-82E94112EFCD}"/>
-                </a:ext>
-              </a:extLst>
-            </p:cNvPr>
-            <p:cNvSpPr/>
-            <p:nvPr/>
-          </p:nvSpPr>
-          <p:spPr>
-            <a:xfrm>
-              <a:off x="10248295" y="909698"/>
-              <a:ext cx="590293" cy="4610100"/>
-            </a:xfrm>
-            <a:prstGeom prst="roundRect">
-              <a:avLst/>
-            </a:prstGeom>
-            <a:solidFill>
-              <a:schemeClr val="bg1">
-                <a:lumMod val="95000"/>
-              </a:schemeClr>
-            </a:solidFill>
-            <a:ln>
-              <a:noFill/>
-            </a:ln>
-          </p:spPr>
-          <p:style>
-            <a:lnRef idx="2">
-              <a:schemeClr val="accent1">
-                <a:shade val="50000"/>
-              </a:schemeClr>
-            </a:lnRef>
-            <a:fillRef idx="1">
-              <a:schemeClr val="accent1"/>
-            </a:fillRef>
-            <a:effectRef idx="0">
-              <a:schemeClr val="accent1"/>
-            </a:effectRef>
-            <a:fontRef idx="minor">
-              <a:schemeClr val="lt1"/>
-            </a:fontRef>
-          </p:style>
-          <p:txBody>
-            <a:bodyPr rot="0" spcFirstLastPara="0" vertOverflow="overflow" horzOverflow="overflow" vert="horz" wrap="square" lIns="91440" tIns="45720" rIns="91440" bIns="45720" numCol="1" spcCol="0" rtlCol="0" fromWordArt="0" anchor="ctr" anchorCtr="0" forceAA="0" compatLnSpc="1">
-              <a:prstTxWarp prst="textNoShape">
-                <a:avLst/>
-              </a:prstTxWarp>
-              <a:noAutofit/>
-            </a:bodyPr>
-            <a:lstStyle/>
-            <a:p>
-              <a:pPr algn="ctr"/>
-              <a:endParaRPr lang="zh-CN" altLang="en-US" sz="1400" b="1">
-                <a:latin typeface="Montserrat" panose="00000500000000000000" pitchFamily="50" charset="0"/>
-              </a:endParaRPr>
-            </a:p>
-          </p:txBody>
-        </p:sp>
-        <p:sp>
-          <p:nvSpPr>
-            <p:cNvPr id="33" name="矩形: 圆角 32">
-              <a:extLst>
-                <a:ext uri="{FF2B5EF4-FFF2-40B4-BE49-F238E27FC236}">
-                  <a16:creationId xmlns:a16="http://schemas.microsoft.com/office/drawing/2014/main" id="{E326A69F-33EC-4E48-9C60-941AD92F020B}"/>
-                </a:ext>
-              </a:extLst>
-            </p:cNvPr>
-            <p:cNvSpPr/>
-            <p:nvPr/>
-          </p:nvSpPr>
-          <p:spPr>
-            <a:xfrm>
-              <a:off x="11363171" y="909698"/>
-              <a:ext cx="590293" cy="4610100"/>
-            </a:xfrm>
-            <a:prstGeom prst="roundRect">
-              <a:avLst/>
-            </a:prstGeom>
-            <a:solidFill>
-              <a:schemeClr val="bg1">
-                <a:lumMod val="95000"/>
-              </a:schemeClr>
-            </a:solidFill>
-            <a:ln>
-              <a:noFill/>
-            </a:ln>
-          </p:spPr>
-          <p:style>
-            <a:lnRef idx="2">
-              <a:schemeClr val="accent1">
-                <a:shade val="50000"/>
-              </a:schemeClr>
-            </a:lnRef>
-            <a:fillRef idx="1">
-              <a:schemeClr val="accent1"/>
-            </a:fillRef>
-            <a:effectRef idx="0">
-              <a:schemeClr val="accent1"/>
-            </a:effectRef>
-            <a:fontRef idx="minor">
-              <a:schemeClr val="lt1"/>
-            </a:fontRef>
-          </p:style>
-          <p:txBody>
-            <a:bodyPr rot="0" spcFirstLastPara="0" vertOverflow="overflow" horzOverflow="overflow" vert="horz" wrap="square" lIns="91440" tIns="45720" rIns="91440" bIns="45720" numCol="1" spcCol="0" rtlCol="0" fromWordArt="0" anchor="ctr" anchorCtr="0" forceAA="0" compatLnSpc="1">
-              <a:prstTxWarp prst="textNoShape">
-                <a:avLst/>
-              </a:prstTxWarp>
-              <a:noAutofit/>
-            </a:bodyPr>
-            <a:lstStyle/>
-            <a:p>
-              <a:pPr algn="ctr"/>
-              <a:endParaRPr lang="zh-CN" altLang="en-US" sz="1400" b="1">
-                <a:latin typeface="Montserrat" panose="00000500000000000000" pitchFamily="50" charset="0"/>
-              </a:endParaRPr>
-            </a:p>
-          </p:txBody>
-        </p:sp>
-        <p:sp>
-          <p:nvSpPr>
-            <p:cNvPr id="34" name="文本框 33">
-              <a:extLst>
-                <a:ext uri="{FF2B5EF4-FFF2-40B4-BE49-F238E27FC236}">
-                  <a16:creationId xmlns:a16="http://schemas.microsoft.com/office/drawing/2014/main" id="{0F289F11-6BE0-4587-BAA1-28A35918D3FF}"/>
-                </a:ext>
-              </a:extLst>
-            </p:cNvPr>
-            <p:cNvSpPr txBox="1"/>
-            <p:nvPr/>
-          </p:nvSpPr>
-          <p:spPr>
-            <a:xfrm>
-              <a:off x="10875307" y="2922360"/>
-              <a:ext cx="473082" cy="548942"/>
-            </a:xfrm>
-            <a:prstGeom prst="rect">
-              <a:avLst/>
-            </a:prstGeom>
-            <a:noFill/>
-          </p:spPr>
-          <p:txBody>
-            <a:bodyPr wrap="none" rtlCol="0">
-              <a:spAutoFit/>
-            </a:bodyPr>
-            <a:lstStyle/>
-            <a:p>
-              <a:r>
-                <a:rPr lang="en-US" altLang="zh-CN" sz="2400" b="1" dirty="0">
-                  <a:solidFill>
-                    <a:schemeClr val="tx2">
-                      <a:alpha val="76000"/>
-                    </a:schemeClr>
-                  </a:solidFill>
-                </a:rPr>
-                <a:t>+</a:t>
-              </a:r>
-              <a:endParaRPr lang="zh-CN" altLang="en-US" sz="2400" b="1" dirty="0">
-                <a:solidFill>
-                  <a:schemeClr val="tx2">
-                    <a:alpha val="76000"/>
-                  </a:schemeClr>
-                </a:solidFill>
-              </a:endParaRPr>
-            </a:p>
-          </p:txBody>
-        </p:sp>
-        <p:sp>
-          <p:nvSpPr>
-            <p:cNvPr id="35" name="文本框 34">
-              <a:extLst>
-                <a:ext uri="{FF2B5EF4-FFF2-40B4-BE49-F238E27FC236}">
-                  <a16:creationId xmlns:a16="http://schemas.microsoft.com/office/drawing/2014/main" id="{6FEBED88-C4A3-485D-9321-83D42F4D7C10}"/>
-                </a:ext>
-              </a:extLst>
-            </p:cNvPr>
-            <p:cNvSpPr txBox="1"/>
-            <p:nvPr/>
-          </p:nvSpPr>
-          <p:spPr>
-            <a:xfrm>
-              <a:off x="10466564" y="5905552"/>
-              <a:ext cx="2394379" cy="731923"/>
-            </a:xfrm>
-            <a:prstGeom prst="rect">
-              <a:avLst/>
-            </a:prstGeom>
-            <a:noFill/>
-          </p:spPr>
-          <p:txBody>
-            <a:bodyPr wrap="none" rtlCol="0">
-              <a:spAutoFit/>
-            </a:bodyPr>
-            <a:lstStyle/>
-            <a:p>
-              <a:pPr algn="ctr"/>
-              <a:r>
-                <a:rPr lang="en-US" altLang="zh-CN" sz="1200" b="1" dirty="0">
-                  <a:solidFill>
-                    <a:srgbClr val="333F50"/>
-                  </a:solidFill>
-                  <a:latin typeface="Montserrat" panose="00000500000000000000" pitchFamily="50" charset="0"/>
-                </a:rPr>
-                <a:t>Special Case</a:t>
-              </a:r>
-            </a:p>
-            <a:p>
-              <a:pPr lvl="0" algn="ctr"/>
-              <a:r>
-                <a:rPr lang="en-US" altLang="zh-CN" sz="1000" dirty="0">
-                  <a:solidFill>
-                    <a:prstClr val="white">
-                      <a:lumMod val="75000"/>
-                    </a:prstClr>
-                  </a:solidFill>
-                  <a:latin typeface="Montserrat" panose="00000500000000000000" pitchFamily="50" charset="0"/>
-                </a:rPr>
-                <a:t>Conflict of 3 or more courses</a:t>
-              </a:r>
-              <a:endParaRPr lang="zh-CN" altLang="en-US" sz="1000" dirty="0">
-                <a:solidFill>
-                  <a:prstClr val="white">
-                    <a:lumMod val="75000"/>
-                  </a:prstClr>
-                </a:solidFill>
-                <a:latin typeface="Montserrat" panose="00000500000000000000" pitchFamily="50" charset="0"/>
-              </a:endParaRPr>
-            </a:p>
-            <a:p>
-              <a:pPr algn="ctr"/>
-              <a:endParaRPr lang="zh-CN" altLang="en-US" sz="1200" b="1" dirty="0">
-                <a:solidFill>
-                  <a:srgbClr val="333F50"/>
-                </a:solidFill>
-                <a:latin typeface="Montserrat" panose="00000500000000000000" pitchFamily="50" charset="0"/>
-              </a:endParaRPr>
-            </a:p>
-          </p:txBody>
-        </p:sp>
-        <p:sp>
-          <p:nvSpPr>
-            <p:cNvPr id="36" name="矩形: 圆角 35">
-              <a:extLst>
-                <a:ext uri="{FF2B5EF4-FFF2-40B4-BE49-F238E27FC236}">
-                  <a16:creationId xmlns:a16="http://schemas.microsoft.com/office/drawing/2014/main" id="{99661E90-E26F-4329-9235-566FF98C668C}"/>
-                </a:ext>
-              </a:extLst>
-            </p:cNvPr>
-            <p:cNvSpPr/>
-            <p:nvPr/>
-          </p:nvSpPr>
-          <p:spPr>
-            <a:xfrm>
-              <a:off x="10257227" y="1500248"/>
-              <a:ext cx="590293" cy="2129029"/>
-            </a:xfrm>
-            <a:prstGeom prst="roundRect">
-              <a:avLst/>
-            </a:prstGeom>
-            <a:solidFill>
-              <a:schemeClr val="tx2">
-                <a:lumMod val="75000"/>
-                <a:alpha val="73000"/>
-              </a:schemeClr>
-            </a:solidFill>
-            <a:ln>
-              <a:noFill/>
-            </a:ln>
-          </p:spPr>
-          <p:style>
-            <a:lnRef idx="2">
-              <a:schemeClr val="accent1">
-                <a:shade val="50000"/>
-              </a:schemeClr>
-            </a:lnRef>
-            <a:fillRef idx="1">
-              <a:schemeClr val="accent1"/>
-            </a:fillRef>
-            <a:effectRef idx="0">
-              <a:schemeClr val="accent1"/>
-            </a:effectRef>
-            <a:fontRef idx="minor">
-              <a:schemeClr val="lt1"/>
-            </a:fontRef>
-          </p:style>
-          <p:txBody>
-            <a:bodyPr rot="0" spcFirstLastPara="0" vertOverflow="overflow" horzOverflow="overflow" vert="horz" wrap="square" lIns="91440" tIns="45720" rIns="91440" bIns="45720" numCol="1" spcCol="0" rtlCol="0" fromWordArt="0" anchor="ctr" anchorCtr="0" forceAA="0" compatLnSpc="1">
-              <a:prstTxWarp prst="textNoShape">
-                <a:avLst/>
-              </a:prstTxWarp>
-              <a:noAutofit/>
-            </a:bodyPr>
-            <a:lstStyle/>
-            <a:p>
-              <a:pPr algn="ctr"/>
-              <a:r>
-                <a:rPr lang="en-US" altLang="zh-CN" sz="1400" b="1" dirty="0">
-                  <a:latin typeface="Montserrat" panose="00000500000000000000" pitchFamily="50" charset="0"/>
-                </a:rPr>
-                <a:t>A</a:t>
-              </a:r>
-              <a:endParaRPr lang="zh-CN" altLang="en-US" sz="1400" b="1" dirty="0">
-                <a:latin typeface="Montserrat" panose="00000500000000000000" pitchFamily="50" charset="0"/>
-              </a:endParaRPr>
-            </a:p>
-          </p:txBody>
-        </p:sp>
-        <p:sp>
-          <p:nvSpPr>
-            <p:cNvPr id="37" name="矩形: 圆角 36">
-              <a:extLst>
-                <a:ext uri="{FF2B5EF4-FFF2-40B4-BE49-F238E27FC236}">
-                  <a16:creationId xmlns:a16="http://schemas.microsoft.com/office/drawing/2014/main" id="{2858E19E-B391-4F1F-98BD-D1A4A99C3310}"/>
-                </a:ext>
-              </a:extLst>
-            </p:cNvPr>
-            <p:cNvSpPr/>
-            <p:nvPr/>
-          </p:nvSpPr>
-          <p:spPr>
-            <a:xfrm>
-              <a:off x="11364357" y="1500247"/>
-              <a:ext cx="590293" cy="3551142"/>
-            </a:xfrm>
-            <a:prstGeom prst="roundRect">
-              <a:avLst/>
-            </a:prstGeom>
-            <a:solidFill>
-              <a:schemeClr val="accent1">
-                <a:alpha val="61000"/>
-              </a:schemeClr>
-            </a:solidFill>
-            <a:ln>
-              <a:noFill/>
-            </a:ln>
-          </p:spPr>
-          <p:style>
-            <a:lnRef idx="2">
-              <a:schemeClr val="accent1">
-                <a:shade val="50000"/>
-              </a:schemeClr>
-            </a:lnRef>
-            <a:fillRef idx="1">
-              <a:schemeClr val="accent1"/>
-            </a:fillRef>
-            <a:effectRef idx="0">
-              <a:schemeClr val="accent1"/>
-            </a:effectRef>
-            <a:fontRef idx="minor">
-              <a:schemeClr val="lt1"/>
-            </a:fontRef>
-          </p:style>
-          <p:txBody>
-            <a:bodyPr rot="0" spcFirstLastPara="0" vertOverflow="overflow" horzOverflow="overflow" vert="horz" wrap="square" lIns="91440" tIns="45720" rIns="91440" bIns="45720" numCol="1" spcCol="0" rtlCol="0" fromWordArt="0" anchor="ctr" anchorCtr="0" forceAA="0" compatLnSpc="1">
-              <a:prstTxWarp prst="textNoShape">
-                <a:avLst/>
-              </a:prstTxWarp>
-              <a:noAutofit/>
-            </a:bodyPr>
-            <a:lstStyle/>
-            <a:p>
-              <a:pPr algn="ctr"/>
-              <a:r>
-                <a:rPr lang="en-US" altLang="zh-CN" sz="1400" b="1" dirty="0">
-                  <a:latin typeface="Montserrat" panose="00000500000000000000" pitchFamily="50" charset="0"/>
-                </a:rPr>
-                <a:t>B</a:t>
-              </a:r>
-              <a:endParaRPr lang="zh-CN" altLang="en-US" sz="1400" b="1" dirty="0">
-                <a:latin typeface="Montserrat" panose="00000500000000000000" pitchFamily="50" charset="0"/>
-              </a:endParaRPr>
-            </a:p>
-          </p:txBody>
-        </p:sp>
-        <p:sp>
-          <p:nvSpPr>
-            <p:cNvPr id="38" name="矩形: 圆角 37">
-              <a:extLst>
-                <a:ext uri="{FF2B5EF4-FFF2-40B4-BE49-F238E27FC236}">
-                  <a16:creationId xmlns:a16="http://schemas.microsoft.com/office/drawing/2014/main" id="{6089DF6D-84AE-4828-9724-842D48ADDB3E}"/>
-                </a:ext>
-              </a:extLst>
-            </p:cNvPr>
-            <p:cNvSpPr/>
-            <p:nvPr/>
-          </p:nvSpPr>
-          <p:spPr>
-            <a:xfrm>
-              <a:off x="12501743" y="909698"/>
-              <a:ext cx="590293" cy="4610100"/>
-            </a:xfrm>
-            <a:prstGeom prst="roundRect">
-              <a:avLst/>
-            </a:prstGeom>
-            <a:solidFill>
-              <a:schemeClr val="bg1">
-                <a:lumMod val="95000"/>
-              </a:schemeClr>
-            </a:solidFill>
-            <a:ln>
-              <a:noFill/>
-            </a:ln>
-          </p:spPr>
-          <p:style>
-            <a:lnRef idx="2">
-              <a:schemeClr val="accent1">
-                <a:shade val="50000"/>
-              </a:schemeClr>
-            </a:lnRef>
-            <a:fillRef idx="1">
-              <a:schemeClr val="accent1"/>
-            </a:fillRef>
-            <a:effectRef idx="0">
-              <a:schemeClr val="accent1"/>
-            </a:effectRef>
-            <a:fontRef idx="minor">
-              <a:schemeClr val="lt1"/>
-            </a:fontRef>
-          </p:style>
-          <p:txBody>
-            <a:bodyPr rot="0" spcFirstLastPara="0" vertOverflow="overflow" horzOverflow="overflow" vert="horz" wrap="square" lIns="91440" tIns="45720" rIns="91440" bIns="45720" numCol="1" spcCol="0" rtlCol="0" fromWordArt="0" anchor="ctr" anchorCtr="0" forceAA="0" compatLnSpc="1">
-              <a:prstTxWarp prst="textNoShape">
-                <a:avLst/>
-              </a:prstTxWarp>
-              <a:noAutofit/>
-            </a:bodyPr>
-            <a:lstStyle/>
-            <a:p>
-              <a:pPr algn="ctr"/>
-              <a:endParaRPr lang="zh-CN" altLang="en-US" sz="1400" b="1">
-                <a:latin typeface="Montserrat" panose="00000500000000000000" pitchFamily="50" charset="0"/>
-              </a:endParaRPr>
-            </a:p>
-          </p:txBody>
-        </p:sp>
-        <p:sp>
-          <p:nvSpPr>
-            <p:cNvPr id="39" name="文本框 38">
-              <a:extLst>
-                <a:ext uri="{FF2B5EF4-FFF2-40B4-BE49-F238E27FC236}">
-                  <a16:creationId xmlns:a16="http://schemas.microsoft.com/office/drawing/2014/main" id="{0FE9197E-BA7C-4B90-A157-5D5ED019D279}"/>
-                </a:ext>
-              </a:extLst>
-            </p:cNvPr>
-            <p:cNvSpPr txBox="1"/>
-            <p:nvPr/>
-          </p:nvSpPr>
-          <p:spPr>
-            <a:xfrm>
-              <a:off x="12013878" y="2922359"/>
-              <a:ext cx="473082" cy="548942"/>
-            </a:xfrm>
-            <a:prstGeom prst="rect">
-              <a:avLst/>
-            </a:prstGeom>
-            <a:noFill/>
-          </p:spPr>
-          <p:txBody>
-            <a:bodyPr wrap="none" rtlCol="0">
-              <a:spAutoFit/>
-            </a:bodyPr>
-            <a:lstStyle/>
-            <a:p>
-              <a:r>
-                <a:rPr lang="en-US" altLang="zh-CN" sz="2400" b="1" dirty="0">
-                  <a:solidFill>
-                    <a:schemeClr val="tx2">
-                      <a:alpha val="76000"/>
-                    </a:schemeClr>
-                  </a:solidFill>
-                </a:rPr>
-                <a:t>+</a:t>
-              </a:r>
-              <a:endParaRPr lang="zh-CN" altLang="en-US" sz="2400" b="1" dirty="0">
-                <a:solidFill>
-                  <a:schemeClr val="tx2">
-                    <a:alpha val="76000"/>
-                  </a:schemeClr>
-                </a:solidFill>
-              </a:endParaRPr>
-            </a:p>
-          </p:txBody>
-        </p:sp>
-        <p:sp>
-          <p:nvSpPr>
-            <p:cNvPr id="40" name="矩形: 圆角 39">
-              <a:extLst>
-                <a:ext uri="{FF2B5EF4-FFF2-40B4-BE49-F238E27FC236}">
-                  <a16:creationId xmlns:a16="http://schemas.microsoft.com/office/drawing/2014/main" id="{750A606E-841B-44D4-925E-B6643E299260}"/>
-                </a:ext>
-              </a:extLst>
-            </p:cNvPr>
-            <p:cNvSpPr/>
-            <p:nvPr/>
-          </p:nvSpPr>
-          <p:spPr>
-            <a:xfrm>
-              <a:off x="12502929" y="1500247"/>
-              <a:ext cx="590293" cy="2782193"/>
-            </a:xfrm>
-            <a:prstGeom prst="roundRect">
-              <a:avLst/>
-            </a:prstGeom>
-            <a:solidFill>
-              <a:schemeClr val="accent2">
-                <a:alpha val="61000"/>
-              </a:schemeClr>
-            </a:solidFill>
-            <a:ln>
-              <a:noFill/>
-            </a:ln>
-          </p:spPr>
-          <p:style>
-            <a:lnRef idx="2">
-              <a:schemeClr val="accent1">
-                <a:shade val="50000"/>
-              </a:schemeClr>
-            </a:lnRef>
-            <a:fillRef idx="1">
-              <a:schemeClr val="accent1"/>
-            </a:fillRef>
-            <a:effectRef idx="0">
-              <a:schemeClr val="accent1"/>
-            </a:effectRef>
-            <a:fontRef idx="minor">
-              <a:schemeClr val="lt1"/>
-            </a:fontRef>
-          </p:style>
-          <p:txBody>
-            <a:bodyPr rot="0" spcFirstLastPara="0" vertOverflow="overflow" horzOverflow="overflow" vert="horz" wrap="square" lIns="91440" tIns="45720" rIns="91440" bIns="45720" numCol="1" spcCol="0" rtlCol="0" fromWordArt="0" anchor="ctr" anchorCtr="0" forceAA="0" compatLnSpc="1">
-              <a:prstTxWarp prst="textNoShape">
-                <a:avLst/>
-              </a:prstTxWarp>
-              <a:noAutofit/>
-            </a:bodyPr>
-            <a:lstStyle/>
-            <a:p>
-              <a:pPr algn="ctr"/>
-              <a:r>
-                <a:rPr lang="en-US" altLang="zh-CN" sz="1400" b="1" dirty="0">
-                  <a:latin typeface="Montserrat" panose="00000500000000000000" pitchFamily="50" charset="0"/>
-                </a:rPr>
-                <a:t>C</a:t>
-              </a:r>
-              <a:endParaRPr lang="zh-CN" altLang="en-US" sz="1400" b="1" dirty="0">
-                <a:latin typeface="Montserrat" panose="00000500000000000000" pitchFamily="50" charset="0"/>
-              </a:endParaRPr>
-            </a:p>
-          </p:txBody>
-        </p:sp>
-      </p:grpSp>
-    </p:spTree>
-    <p:extLst>
-      <p:ext uri="{BB962C8B-B14F-4D97-AF65-F5344CB8AC3E}">
-        <p14:creationId xmlns:p14="http://schemas.microsoft.com/office/powerpoint/2010/main" val="4292962299"/>
-      </p:ext>
-    </p:extLst>
-  </p:cSld>
-  <p:clrMapOvr>
-    <a:masterClrMapping/>
-  </p:clrMapOvr>
-</p:sld>
-</file>
-
-<file path=ppt/slides/slide2.xml><?xml version="1.0" encoding="utf-8"?>
-<p:sld xmlns:a="http://schemas.openxmlformats.org/drawingml/2006/main" xmlns:r="http://schemas.openxmlformats.org/officeDocument/2006/relationships" xmlns:p="http://schemas.openxmlformats.org/presentationml/2006/main">
-  <p:cSld>
-    <p:bg>
-      <p:bgPr>
-        <a:solidFill>
-          <a:srgbClr val="727588"/>
-        </a:solidFill>
-        <a:effectLst/>
-      </p:bgPr>
-    </p:bg>
-    <p:spTree>
-      <p:nvGrpSpPr>
-        <p:cNvPr id="1" name=""/>
-        <p:cNvGrpSpPr/>
-        <p:nvPr/>
-      </p:nvGrpSpPr>
-      <p:grpSpPr>
-        <a:xfrm>
-          <a:off x="0" y="0"/>
-          <a:ext cx="0" cy="0"/>
-          <a:chOff x="0" y="0"/>
-          <a:chExt cx="0" cy="0"/>
-        </a:xfrm>
-      </p:grpSpPr>
-      <p:pic>
-        <p:nvPicPr>
-          <p:cNvPr id="3" name="图片 2">
-            <a:extLst>
-              <a:ext uri="{FF2B5EF4-FFF2-40B4-BE49-F238E27FC236}">
-                <a16:creationId xmlns:a16="http://schemas.microsoft.com/office/drawing/2014/main" id="{58586526-9F50-4F6A-BB69-052C36103936}"/>
-              </a:ext>
-            </a:extLst>
-          </p:cNvPr>
-          <p:cNvPicPr>
-            <a:picLocks noChangeAspect="1"/>
-          </p:cNvPicPr>
-          <p:nvPr/>
-        </p:nvPicPr>
-        <p:blipFill>
-          <a:blip r:embed="rId2">
-            <a:extLst>
-              <a:ext uri="{28A0092B-C50C-407E-A947-70E740481C1C}">
-                <a14:useLocalDpi xmlns:a14="http://schemas.microsoft.com/office/drawing/2010/main" val="0"/>
-              </a:ext>
-            </a:extLst>
-          </a:blip>
-          <a:stretch>
-            <a:fillRect/>
-          </a:stretch>
-        </p:blipFill>
-        <p:spPr>
-          <a:xfrm>
-            <a:off x="4778775" y="794551"/>
-            <a:ext cx="2634449" cy="5268897"/>
-          </a:xfrm>
-          <a:prstGeom prst="rect">
-            <a:avLst/>
-          </a:prstGeom>
-          <a:effectLst>
-            <a:reflection blurRad="6350" stA="50000" endA="300" endPos="38500" dist="50800" dir="5400000" sy="-100000" algn="bl" rotWithShape="0"/>
-          </a:effectLst>
-        </p:spPr>
-      </p:pic>
-    </p:spTree>
-    <p:extLst>
-      <p:ext uri="{BB962C8B-B14F-4D97-AF65-F5344CB8AC3E}">
-        <p14:creationId xmlns:p14="http://schemas.microsoft.com/office/powerpoint/2010/main" val="2414279064"/>
-      </p:ext>
-    </p:extLst>
-  </p:cSld>
-  <p:clrMapOvr>
-    <a:masterClrMapping/>
-  </p:clrMapOvr>
-</p:sld>
-</file>
-
-<file path=ppt/slides/slide3.xml><?xml version="1.0" encoding="utf-8"?>
-<p:sld xmlns:a="http://schemas.openxmlformats.org/drawingml/2006/main" xmlns:r="http://schemas.openxmlformats.org/officeDocument/2006/relationships" xmlns:p="http://schemas.openxmlformats.org/presentationml/2006/main">
-  <p:cSld>
     <p:spTree>
       <p:nvGrpSpPr>
         <p:cNvPr id="1" name=""/>
@@ -10423,7 +8520,7 @@
 </p:sld>
 </file>
 
-<file path=ppt/slides/slide4.xml><?xml version="1.0" encoding="utf-8"?>
+<file path=ppt/slides/slide2.xml><?xml version="1.0" encoding="utf-8"?>
 <p:sld xmlns:a="http://schemas.openxmlformats.org/drawingml/2006/main" xmlns:r="http://schemas.openxmlformats.org/officeDocument/2006/relationships" xmlns:p="http://schemas.openxmlformats.org/presentationml/2006/main">
   <p:cSld>
     <p:spTree>
@@ -13011,7 +11108,7 @@
 </p:sld>
 </file>
 
-<file path=ppt/slides/slide5.xml><?xml version="1.0" encoding="utf-8"?>
+<file path=ppt/slides/slide3.xml><?xml version="1.0" encoding="utf-8"?>
 <p:sld xmlns:a="http://schemas.openxmlformats.org/drawingml/2006/main" xmlns:r="http://schemas.openxmlformats.org/officeDocument/2006/relationships" xmlns:p="http://schemas.openxmlformats.org/presentationml/2006/main">
   <p:cSld>
     <p:spTree>
@@ -14799,7 +12896,7 @@
 </p:sld>
 </file>
 
-<file path=ppt/slides/slide6.xml><?xml version="1.0" encoding="utf-8"?>
+<file path=ppt/slides/slide4.xml><?xml version="1.0" encoding="utf-8"?>
 <p:sld xmlns:a="http://schemas.openxmlformats.org/drawingml/2006/main" xmlns:r="http://schemas.openxmlformats.org/officeDocument/2006/relationships" xmlns:p="http://schemas.openxmlformats.org/presentationml/2006/main">
   <p:cSld>
     <p:spTree>
@@ -16189,7 +14286,7 @@
 </p:sld>
 </file>
 
-<file path=ppt/slides/slide7.xml><?xml version="1.0" encoding="utf-8"?>
+<file path=ppt/slides/slide5.xml><?xml version="1.0" encoding="utf-8"?>
 <p:sld xmlns:a="http://schemas.openxmlformats.org/drawingml/2006/main" xmlns:r="http://schemas.openxmlformats.org/officeDocument/2006/relationships" xmlns:p="http://schemas.openxmlformats.org/presentationml/2006/main">
   <p:cSld>
     <p:spTree>
@@ -17809,7 +15906,7 @@
 </p:sld>
 </file>
 
-<file path=ppt/slides/slide8.xml><?xml version="1.0" encoding="utf-8"?>
+<file path=ppt/slides/slide6.xml><?xml version="1.0" encoding="utf-8"?>
 <p:sld xmlns:a="http://schemas.openxmlformats.org/drawingml/2006/main" xmlns:r="http://schemas.openxmlformats.org/officeDocument/2006/relationships" xmlns:p="http://schemas.openxmlformats.org/presentationml/2006/main">
   <p:cSld>
     <p:spTree>
@@ -18883,7 +16980,7 @@
 </p:sld>
 </file>
 
-<file path=ppt/slides/slide9.xml><?xml version="1.0" encoding="utf-8"?>
+<file path=ppt/slides/slide7.xml><?xml version="1.0" encoding="utf-8"?>
 <p:sld xmlns:a="http://schemas.openxmlformats.org/drawingml/2006/main" xmlns:r="http://schemas.openxmlformats.org/officeDocument/2006/relationships" xmlns:p="http://schemas.openxmlformats.org/presentationml/2006/main">
   <p:cSld>
     <p:bg>
@@ -18908,42 +17005,6 @@
           <a:chExt cx="0" cy="0"/>
         </a:xfrm>
       </p:grpSpPr>
-      <p:pic>
-        <p:nvPicPr>
-          <p:cNvPr id="8" name="图片 7">
-            <a:extLst>
-              <a:ext uri="{FF2B5EF4-FFF2-40B4-BE49-F238E27FC236}">
-                <a16:creationId xmlns:a16="http://schemas.microsoft.com/office/drawing/2014/main" id="{381C7D88-FA7D-4776-974B-11216C21CD4C}"/>
-              </a:ext>
-            </a:extLst>
-          </p:cNvPr>
-          <p:cNvPicPr>
-            <a:picLocks noChangeAspect="1"/>
-          </p:cNvPicPr>
-          <p:nvPr/>
-        </p:nvPicPr>
-        <p:blipFill>
-          <a:blip r:embed="rId2">
-            <a:extLst>
-              <a:ext uri="{28A0092B-C50C-407E-A947-70E740481C1C}">
-                <a14:useLocalDpi xmlns:a14="http://schemas.microsoft.com/office/drawing/2010/main" val="0"/>
-              </a:ext>
-            </a:extLst>
-          </a:blip>
-          <a:stretch>
-            <a:fillRect/>
-          </a:stretch>
-        </p:blipFill>
-        <p:spPr>
-          <a:xfrm>
-            <a:off x="7538436" y="0"/>
-            <a:ext cx="3429000" cy="6858000"/>
-          </a:xfrm>
-          <a:prstGeom prst="rect">
-            <a:avLst/>
-          </a:prstGeom>
-        </p:spPr>
-      </p:pic>
       <p:grpSp>
         <p:nvGrpSpPr>
           <p:cNvPr id="12" name="组合 11">
@@ -18979,7 +17040,7 @@
             <p:nvPr/>
           </p:nvPicPr>
           <p:blipFill>
-            <a:blip r:embed="rId3"/>
+            <a:blip r:embed="rId2"/>
             <a:stretch>
               <a:fillRect/>
             </a:stretch>
@@ -19009,7 +17070,7 @@
             <p:nvPr/>
           </p:nvPicPr>
           <p:blipFill>
-            <a:blip r:embed="rId4"/>
+            <a:blip r:embed="rId3"/>
             <a:stretch>
               <a:fillRect/>
             </a:stretch>
@@ -19117,6 +17178,1714 @@
     <p:extLst>
       <p:ext uri="{BB962C8B-B14F-4D97-AF65-F5344CB8AC3E}">
         <p14:creationId xmlns:p14="http://schemas.microsoft.com/office/powerpoint/2010/main" val="1782423253"/>
+      </p:ext>
+    </p:extLst>
+  </p:cSld>
+  <p:clrMapOvr>
+    <a:masterClrMapping/>
+  </p:clrMapOvr>
+</p:sld>
+</file>
+
+<file path=ppt/slides/slide8.xml><?xml version="1.0" encoding="utf-8"?>
+<p:sld xmlns:a="http://schemas.openxmlformats.org/drawingml/2006/main" xmlns:r="http://schemas.openxmlformats.org/officeDocument/2006/relationships" xmlns:p="http://schemas.openxmlformats.org/presentationml/2006/main">
+  <p:cSld>
+    <p:spTree>
+      <p:nvGrpSpPr>
+        <p:cNvPr id="1" name=""/>
+        <p:cNvGrpSpPr/>
+        <p:nvPr/>
+      </p:nvGrpSpPr>
+      <p:grpSpPr>
+        <a:xfrm>
+          <a:off x="0" y="0"/>
+          <a:ext cx="0" cy="0"/>
+          <a:chOff x="0" y="0"/>
+          <a:chExt cx="0" cy="0"/>
+        </a:xfrm>
+      </p:grpSpPr>
+      <p:grpSp>
+        <p:nvGrpSpPr>
+          <p:cNvPr id="2" name="组合 1">
+            <a:extLst>
+              <a:ext uri="{FF2B5EF4-FFF2-40B4-BE49-F238E27FC236}">
+                <a16:creationId xmlns:a16="http://schemas.microsoft.com/office/drawing/2014/main" id="{AB46761C-5BEA-4014-B313-3E6C8C7746F4}"/>
+              </a:ext>
+            </a:extLst>
+          </p:cNvPr>
+          <p:cNvGrpSpPr/>
+          <p:nvPr/>
+        </p:nvGrpSpPr>
+        <p:grpSpPr>
+          <a:xfrm>
+            <a:off x="1078007" y="1205048"/>
+            <a:ext cx="10035986" cy="4817108"/>
+            <a:chOff x="1159945" y="909698"/>
+            <a:chExt cx="11933277" cy="5727777"/>
+          </a:xfrm>
+        </p:grpSpPr>
+        <p:sp>
+          <p:nvSpPr>
+            <p:cNvPr id="9" name="矩形: 圆角 8">
+              <a:extLst>
+                <a:ext uri="{FF2B5EF4-FFF2-40B4-BE49-F238E27FC236}">
+                  <a16:creationId xmlns:a16="http://schemas.microsoft.com/office/drawing/2014/main" id="{DED4702A-F03F-4C90-903F-6E04176940CE}"/>
+                </a:ext>
+              </a:extLst>
+            </p:cNvPr>
+            <p:cNvSpPr/>
+            <p:nvPr/>
+          </p:nvSpPr>
+          <p:spPr>
+            <a:xfrm>
+              <a:off x="1159945" y="909698"/>
+              <a:ext cx="590293" cy="4610100"/>
+            </a:xfrm>
+            <a:prstGeom prst="roundRect">
+              <a:avLst/>
+            </a:prstGeom>
+            <a:solidFill>
+              <a:schemeClr val="bg1">
+                <a:lumMod val="95000"/>
+              </a:schemeClr>
+            </a:solidFill>
+            <a:ln>
+              <a:noFill/>
+            </a:ln>
+          </p:spPr>
+          <p:style>
+            <a:lnRef idx="2">
+              <a:schemeClr val="accent1">
+                <a:shade val="50000"/>
+              </a:schemeClr>
+            </a:lnRef>
+            <a:fillRef idx="1">
+              <a:schemeClr val="accent1"/>
+            </a:fillRef>
+            <a:effectRef idx="0">
+              <a:schemeClr val="accent1"/>
+            </a:effectRef>
+            <a:fontRef idx="minor">
+              <a:schemeClr val="lt1"/>
+            </a:fontRef>
+          </p:style>
+          <p:txBody>
+            <a:bodyPr rot="0" spcFirstLastPara="0" vertOverflow="overflow" horzOverflow="overflow" vert="horz" wrap="square" lIns="91440" tIns="45720" rIns="91440" bIns="45720" numCol="1" spcCol="0" rtlCol="0" fromWordArt="0" anchor="ctr" anchorCtr="0" forceAA="0" compatLnSpc="1">
+              <a:prstTxWarp prst="textNoShape">
+                <a:avLst/>
+              </a:prstTxWarp>
+              <a:noAutofit/>
+            </a:bodyPr>
+            <a:lstStyle/>
+            <a:p>
+              <a:pPr algn="ctr"/>
+              <a:endParaRPr lang="zh-CN" altLang="en-US" sz="1400" b="1">
+                <a:latin typeface="Montserrat" panose="00000500000000000000" pitchFamily="50" charset="0"/>
+              </a:endParaRPr>
+            </a:p>
+          </p:txBody>
+        </p:sp>
+        <p:sp>
+          <p:nvSpPr>
+            <p:cNvPr id="13" name="矩形: 圆角 12">
+              <a:extLst>
+                <a:ext uri="{FF2B5EF4-FFF2-40B4-BE49-F238E27FC236}">
+                  <a16:creationId xmlns:a16="http://schemas.microsoft.com/office/drawing/2014/main" id="{57D40DF2-A3FE-4FC4-8C70-13F6D2DC168F}"/>
+                </a:ext>
+              </a:extLst>
+            </p:cNvPr>
+            <p:cNvSpPr/>
+            <p:nvPr/>
+          </p:nvSpPr>
+          <p:spPr>
+            <a:xfrm>
+              <a:off x="2274821" y="909698"/>
+              <a:ext cx="590293" cy="4610100"/>
+            </a:xfrm>
+            <a:prstGeom prst="roundRect">
+              <a:avLst/>
+            </a:prstGeom>
+            <a:solidFill>
+              <a:schemeClr val="bg1">
+                <a:lumMod val="95000"/>
+              </a:schemeClr>
+            </a:solidFill>
+            <a:ln>
+              <a:noFill/>
+            </a:ln>
+          </p:spPr>
+          <p:style>
+            <a:lnRef idx="2">
+              <a:schemeClr val="accent1">
+                <a:shade val="50000"/>
+              </a:schemeClr>
+            </a:lnRef>
+            <a:fillRef idx="1">
+              <a:schemeClr val="accent1"/>
+            </a:fillRef>
+            <a:effectRef idx="0">
+              <a:schemeClr val="accent1"/>
+            </a:effectRef>
+            <a:fontRef idx="minor">
+              <a:schemeClr val="lt1"/>
+            </a:fontRef>
+          </p:style>
+          <p:txBody>
+            <a:bodyPr rot="0" spcFirstLastPara="0" vertOverflow="overflow" horzOverflow="overflow" vert="horz" wrap="square" lIns="91440" tIns="45720" rIns="91440" bIns="45720" numCol="1" spcCol="0" rtlCol="0" fromWordArt="0" anchor="ctr" anchorCtr="0" forceAA="0" compatLnSpc="1">
+              <a:prstTxWarp prst="textNoShape">
+                <a:avLst/>
+              </a:prstTxWarp>
+              <a:noAutofit/>
+            </a:bodyPr>
+            <a:lstStyle/>
+            <a:p>
+              <a:pPr algn="ctr"/>
+              <a:endParaRPr lang="zh-CN" altLang="en-US" sz="1400" b="1">
+                <a:latin typeface="Montserrat" panose="00000500000000000000" pitchFamily="50" charset="0"/>
+              </a:endParaRPr>
+            </a:p>
+          </p:txBody>
+        </p:sp>
+        <p:sp>
+          <p:nvSpPr>
+            <p:cNvPr id="16" name="文本框 15">
+              <a:extLst>
+                <a:ext uri="{FF2B5EF4-FFF2-40B4-BE49-F238E27FC236}">
+                  <a16:creationId xmlns:a16="http://schemas.microsoft.com/office/drawing/2014/main" id="{EB93D7F6-E6C7-40C6-9FE1-53A4E4944A3A}"/>
+                </a:ext>
+              </a:extLst>
+            </p:cNvPr>
+            <p:cNvSpPr txBox="1"/>
+            <p:nvPr/>
+          </p:nvSpPr>
+          <p:spPr>
+            <a:xfrm>
+              <a:off x="1786957" y="2922360"/>
+              <a:ext cx="473082" cy="548942"/>
+            </a:xfrm>
+            <a:prstGeom prst="rect">
+              <a:avLst/>
+            </a:prstGeom>
+            <a:noFill/>
+          </p:spPr>
+          <p:txBody>
+            <a:bodyPr wrap="none" rtlCol="0">
+              <a:spAutoFit/>
+            </a:bodyPr>
+            <a:lstStyle/>
+            <a:p>
+              <a:r>
+                <a:rPr lang="en-US" altLang="zh-CN" sz="2400" b="1" dirty="0">
+                  <a:solidFill>
+                    <a:schemeClr val="tx2">
+                      <a:alpha val="76000"/>
+                    </a:schemeClr>
+                  </a:solidFill>
+                </a:rPr>
+                <a:t>+</a:t>
+              </a:r>
+              <a:endParaRPr lang="zh-CN" altLang="en-US" sz="2400" b="1" dirty="0">
+                <a:solidFill>
+                  <a:schemeClr val="tx2">
+                    <a:alpha val="76000"/>
+                  </a:schemeClr>
+                </a:solidFill>
+              </a:endParaRPr>
+            </a:p>
+          </p:txBody>
+        </p:sp>
+        <p:sp>
+          <p:nvSpPr>
+            <p:cNvPr id="17" name="文本框 16">
+              <a:extLst>
+                <a:ext uri="{FF2B5EF4-FFF2-40B4-BE49-F238E27FC236}">
+                  <a16:creationId xmlns:a16="http://schemas.microsoft.com/office/drawing/2014/main" id="{963DA638-5E57-43AE-9531-968EFD1B9588}"/>
+                </a:ext>
+              </a:extLst>
+            </p:cNvPr>
+            <p:cNvSpPr txBox="1"/>
+            <p:nvPr/>
+          </p:nvSpPr>
+          <p:spPr>
+            <a:xfrm>
+              <a:off x="1231710" y="5905552"/>
+              <a:ext cx="1580496" cy="512346"/>
+            </a:xfrm>
+            <a:prstGeom prst="rect">
+              <a:avLst/>
+            </a:prstGeom>
+            <a:noFill/>
+          </p:spPr>
+          <p:txBody>
+            <a:bodyPr wrap="none" rtlCol="0">
+              <a:spAutoFit/>
+            </a:bodyPr>
+            <a:lstStyle/>
+            <a:p>
+              <a:pPr algn="ctr"/>
+              <a:r>
+                <a:rPr lang="en-US" altLang="zh-CN" sz="1200" b="1" dirty="0">
+                  <a:solidFill>
+                    <a:srgbClr val="333F50"/>
+                  </a:solidFill>
+                  <a:latin typeface="Montserrat" panose="00000500000000000000" pitchFamily="50" charset="0"/>
+                </a:rPr>
+                <a:t>TYPE a</a:t>
+              </a:r>
+            </a:p>
+            <a:p>
+              <a:pPr lvl="0" algn="ctr"/>
+              <a:r>
+                <a:rPr lang="en-US" altLang="zh-CN" sz="1000" dirty="0">
+                  <a:solidFill>
+                    <a:prstClr val="white">
+                      <a:lumMod val="75000"/>
+                    </a:prstClr>
+                  </a:solidFill>
+                  <a:latin typeface="Montserrat" panose="00000500000000000000" pitchFamily="50" charset="0"/>
+                </a:rPr>
+                <a:t>Complete overlap</a:t>
+              </a:r>
+              <a:endParaRPr lang="zh-CN" altLang="en-US" sz="1000" dirty="0">
+                <a:solidFill>
+                  <a:prstClr val="white">
+                    <a:lumMod val="75000"/>
+                  </a:prstClr>
+                </a:solidFill>
+                <a:latin typeface="Montserrat" panose="00000500000000000000" pitchFamily="50" charset="0"/>
+              </a:endParaRPr>
+            </a:p>
+          </p:txBody>
+        </p:sp>
+        <p:sp>
+          <p:nvSpPr>
+            <p:cNvPr id="18" name="矩形: 圆角 17">
+              <a:extLst>
+                <a:ext uri="{FF2B5EF4-FFF2-40B4-BE49-F238E27FC236}">
+                  <a16:creationId xmlns:a16="http://schemas.microsoft.com/office/drawing/2014/main" id="{621D1419-30CF-45C9-8773-5EA00D628DD7}"/>
+                </a:ext>
+              </a:extLst>
+            </p:cNvPr>
+            <p:cNvSpPr/>
+            <p:nvPr/>
+          </p:nvSpPr>
+          <p:spPr>
+            <a:xfrm>
+              <a:off x="1168877" y="1500248"/>
+              <a:ext cx="590293" cy="2129029"/>
+            </a:xfrm>
+            <a:prstGeom prst="roundRect">
+              <a:avLst/>
+            </a:prstGeom>
+            <a:solidFill>
+              <a:schemeClr val="tx2">
+                <a:lumMod val="75000"/>
+                <a:alpha val="73000"/>
+              </a:schemeClr>
+            </a:solidFill>
+            <a:ln>
+              <a:noFill/>
+            </a:ln>
+          </p:spPr>
+          <p:style>
+            <a:lnRef idx="2">
+              <a:schemeClr val="accent1">
+                <a:shade val="50000"/>
+              </a:schemeClr>
+            </a:lnRef>
+            <a:fillRef idx="1">
+              <a:schemeClr val="accent1"/>
+            </a:fillRef>
+            <a:effectRef idx="0">
+              <a:schemeClr val="accent1"/>
+            </a:effectRef>
+            <a:fontRef idx="minor">
+              <a:schemeClr val="lt1"/>
+            </a:fontRef>
+          </p:style>
+          <p:txBody>
+            <a:bodyPr rot="0" spcFirstLastPara="0" vertOverflow="overflow" horzOverflow="overflow" vert="horz" wrap="square" lIns="91440" tIns="45720" rIns="91440" bIns="45720" numCol="1" spcCol="0" rtlCol="0" fromWordArt="0" anchor="ctr" anchorCtr="0" forceAA="0" compatLnSpc="1">
+              <a:prstTxWarp prst="textNoShape">
+                <a:avLst/>
+              </a:prstTxWarp>
+              <a:noAutofit/>
+            </a:bodyPr>
+            <a:lstStyle/>
+            <a:p>
+              <a:pPr algn="ctr"/>
+              <a:r>
+                <a:rPr lang="en-US" altLang="zh-CN" sz="1400" b="1" dirty="0">
+                  <a:latin typeface="Montserrat" panose="00000500000000000000" pitchFamily="50" charset="0"/>
+                </a:rPr>
+                <a:t>A</a:t>
+              </a:r>
+              <a:endParaRPr lang="zh-CN" altLang="en-US" sz="1400" b="1" dirty="0">
+                <a:latin typeface="Montserrat" panose="00000500000000000000" pitchFamily="50" charset="0"/>
+              </a:endParaRPr>
+            </a:p>
+          </p:txBody>
+        </p:sp>
+        <p:sp>
+          <p:nvSpPr>
+            <p:cNvPr id="19" name="矩形: 圆角 18">
+              <a:extLst>
+                <a:ext uri="{FF2B5EF4-FFF2-40B4-BE49-F238E27FC236}">
+                  <a16:creationId xmlns:a16="http://schemas.microsoft.com/office/drawing/2014/main" id="{EFF3A014-C9FF-4DE3-B8E4-B34A2EDAB83A}"/>
+                </a:ext>
+              </a:extLst>
+            </p:cNvPr>
+            <p:cNvSpPr/>
+            <p:nvPr/>
+          </p:nvSpPr>
+          <p:spPr>
+            <a:xfrm>
+              <a:off x="2276007" y="1500247"/>
+              <a:ext cx="590293" cy="2129029"/>
+            </a:xfrm>
+            <a:prstGeom prst="roundRect">
+              <a:avLst/>
+            </a:prstGeom>
+            <a:solidFill>
+              <a:schemeClr val="accent1">
+                <a:alpha val="61000"/>
+              </a:schemeClr>
+            </a:solidFill>
+            <a:ln>
+              <a:noFill/>
+            </a:ln>
+          </p:spPr>
+          <p:style>
+            <a:lnRef idx="2">
+              <a:schemeClr val="accent1">
+                <a:shade val="50000"/>
+              </a:schemeClr>
+            </a:lnRef>
+            <a:fillRef idx="1">
+              <a:schemeClr val="accent1"/>
+            </a:fillRef>
+            <a:effectRef idx="0">
+              <a:schemeClr val="accent1"/>
+            </a:effectRef>
+            <a:fontRef idx="minor">
+              <a:schemeClr val="lt1"/>
+            </a:fontRef>
+          </p:style>
+          <p:txBody>
+            <a:bodyPr rot="0" spcFirstLastPara="0" vertOverflow="overflow" horzOverflow="overflow" vert="horz" wrap="square" lIns="91440" tIns="45720" rIns="91440" bIns="45720" numCol="1" spcCol="0" rtlCol="0" fromWordArt="0" anchor="ctr" anchorCtr="0" forceAA="0" compatLnSpc="1">
+              <a:prstTxWarp prst="textNoShape">
+                <a:avLst/>
+              </a:prstTxWarp>
+              <a:noAutofit/>
+            </a:bodyPr>
+            <a:lstStyle/>
+            <a:p>
+              <a:pPr algn="ctr"/>
+              <a:r>
+                <a:rPr lang="en-US" altLang="zh-CN" sz="1400" b="1" dirty="0">
+                  <a:latin typeface="Montserrat" panose="00000500000000000000" pitchFamily="50" charset="0"/>
+                </a:rPr>
+                <a:t>B</a:t>
+              </a:r>
+              <a:endParaRPr lang="zh-CN" altLang="en-US" sz="1400" b="1" dirty="0">
+                <a:latin typeface="Montserrat" panose="00000500000000000000" pitchFamily="50" charset="0"/>
+              </a:endParaRPr>
+            </a:p>
+          </p:txBody>
+        </p:sp>
+        <p:sp>
+          <p:nvSpPr>
+            <p:cNvPr id="20" name="矩形: 圆角 19">
+              <a:extLst>
+                <a:ext uri="{FF2B5EF4-FFF2-40B4-BE49-F238E27FC236}">
+                  <a16:creationId xmlns:a16="http://schemas.microsoft.com/office/drawing/2014/main" id="{2B16D59C-BC57-4FC5-94B9-8254DA56ADF7}"/>
+                </a:ext>
+              </a:extLst>
+            </p:cNvPr>
+            <p:cNvSpPr/>
+            <p:nvPr/>
+          </p:nvSpPr>
+          <p:spPr>
+            <a:xfrm>
+              <a:off x="4219569" y="909698"/>
+              <a:ext cx="590293" cy="4610100"/>
+            </a:xfrm>
+            <a:prstGeom prst="roundRect">
+              <a:avLst/>
+            </a:prstGeom>
+            <a:solidFill>
+              <a:schemeClr val="bg1">
+                <a:lumMod val="95000"/>
+              </a:schemeClr>
+            </a:solidFill>
+            <a:ln>
+              <a:noFill/>
+            </a:ln>
+          </p:spPr>
+          <p:style>
+            <a:lnRef idx="2">
+              <a:schemeClr val="accent1">
+                <a:shade val="50000"/>
+              </a:schemeClr>
+            </a:lnRef>
+            <a:fillRef idx="1">
+              <a:schemeClr val="accent1"/>
+            </a:fillRef>
+            <a:effectRef idx="0">
+              <a:schemeClr val="accent1"/>
+            </a:effectRef>
+            <a:fontRef idx="minor">
+              <a:schemeClr val="lt1"/>
+            </a:fontRef>
+          </p:style>
+          <p:txBody>
+            <a:bodyPr rot="0" spcFirstLastPara="0" vertOverflow="overflow" horzOverflow="overflow" vert="horz" wrap="square" lIns="91440" tIns="45720" rIns="91440" bIns="45720" numCol="1" spcCol="0" rtlCol="0" fromWordArt="0" anchor="ctr" anchorCtr="0" forceAA="0" compatLnSpc="1">
+              <a:prstTxWarp prst="textNoShape">
+                <a:avLst/>
+              </a:prstTxWarp>
+              <a:noAutofit/>
+            </a:bodyPr>
+            <a:lstStyle/>
+            <a:p>
+              <a:pPr algn="ctr"/>
+              <a:endParaRPr lang="zh-CN" altLang="en-US" sz="1400" b="1">
+                <a:latin typeface="Montserrat" panose="00000500000000000000" pitchFamily="50" charset="0"/>
+              </a:endParaRPr>
+            </a:p>
+          </p:txBody>
+        </p:sp>
+        <p:sp>
+          <p:nvSpPr>
+            <p:cNvPr id="21" name="矩形: 圆角 20">
+              <a:extLst>
+                <a:ext uri="{FF2B5EF4-FFF2-40B4-BE49-F238E27FC236}">
+                  <a16:creationId xmlns:a16="http://schemas.microsoft.com/office/drawing/2014/main" id="{2C70A08E-4105-4410-A55E-FDEBB10AB33B}"/>
+                </a:ext>
+              </a:extLst>
+            </p:cNvPr>
+            <p:cNvSpPr/>
+            <p:nvPr/>
+          </p:nvSpPr>
+          <p:spPr>
+            <a:xfrm>
+              <a:off x="5334445" y="909698"/>
+              <a:ext cx="590293" cy="4610100"/>
+            </a:xfrm>
+            <a:prstGeom prst="roundRect">
+              <a:avLst/>
+            </a:prstGeom>
+            <a:solidFill>
+              <a:schemeClr val="bg1">
+                <a:lumMod val="95000"/>
+              </a:schemeClr>
+            </a:solidFill>
+            <a:ln>
+              <a:noFill/>
+            </a:ln>
+          </p:spPr>
+          <p:style>
+            <a:lnRef idx="2">
+              <a:schemeClr val="accent1">
+                <a:shade val="50000"/>
+              </a:schemeClr>
+            </a:lnRef>
+            <a:fillRef idx="1">
+              <a:schemeClr val="accent1"/>
+            </a:fillRef>
+            <a:effectRef idx="0">
+              <a:schemeClr val="accent1"/>
+            </a:effectRef>
+            <a:fontRef idx="minor">
+              <a:schemeClr val="lt1"/>
+            </a:fontRef>
+          </p:style>
+          <p:txBody>
+            <a:bodyPr rot="0" spcFirstLastPara="0" vertOverflow="overflow" horzOverflow="overflow" vert="horz" wrap="square" lIns="91440" tIns="45720" rIns="91440" bIns="45720" numCol="1" spcCol="0" rtlCol="0" fromWordArt="0" anchor="ctr" anchorCtr="0" forceAA="0" compatLnSpc="1">
+              <a:prstTxWarp prst="textNoShape">
+                <a:avLst/>
+              </a:prstTxWarp>
+              <a:noAutofit/>
+            </a:bodyPr>
+            <a:lstStyle/>
+            <a:p>
+              <a:pPr algn="ctr"/>
+              <a:endParaRPr lang="zh-CN" altLang="en-US" sz="1400" b="1">
+                <a:latin typeface="Montserrat" panose="00000500000000000000" pitchFamily="50" charset="0"/>
+              </a:endParaRPr>
+            </a:p>
+          </p:txBody>
+        </p:sp>
+        <p:sp>
+          <p:nvSpPr>
+            <p:cNvPr id="22" name="文本框 21">
+              <a:extLst>
+                <a:ext uri="{FF2B5EF4-FFF2-40B4-BE49-F238E27FC236}">
+                  <a16:creationId xmlns:a16="http://schemas.microsoft.com/office/drawing/2014/main" id="{93743D26-D4CE-4756-930B-BA9B784F50B4}"/>
+                </a:ext>
+              </a:extLst>
+            </p:cNvPr>
+            <p:cNvSpPr txBox="1"/>
+            <p:nvPr/>
+          </p:nvSpPr>
+          <p:spPr>
+            <a:xfrm>
+              <a:off x="4846581" y="2922360"/>
+              <a:ext cx="473082" cy="548942"/>
+            </a:xfrm>
+            <a:prstGeom prst="rect">
+              <a:avLst/>
+            </a:prstGeom>
+            <a:noFill/>
+          </p:spPr>
+          <p:txBody>
+            <a:bodyPr wrap="none" rtlCol="0">
+              <a:spAutoFit/>
+            </a:bodyPr>
+            <a:lstStyle/>
+            <a:p>
+              <a:r>
+                <a:rPr lang="en-US" altLang="zh-CN" sz="2400" b="1" dirty="0">
+                  <a:solidFill>
+                    <a:schemeClr val="tx2">
+                      <a:alpha val="76000"/>
+                    </a:schemeClr>
+                  </a:solidFill>
+                </a:rPr>
+                <a:t>+</a:t>
+              </a:r>
+              <a:endParaRPr lang="zh-CN" altLang="en-US" sz="2400" b="1" dirty="0">
+                <a:solidFill>
+                  <a:schemeClr val="tx2">
+                    <a:alpha val="76000"/>
+                  </a:schemeClr>
+                </a:solidFill>
+              </a:endParaRPr>
+            </a:p>
+          </p:txBody>
+        </p:sp>
+        <p:sp>
+          <p:nvSpPr>
+            <p:cNvPr id="23" name="文本框 22">
+              <a:extLst>
+                <a:ext uri="{FF2B5EF4-FFF2-40B4-BE49-F238E27FC236}">
+                  <a16:creationId xmlns:a16="http://schemas.microsoft.com/office/drawing/2014/main" id="{1E74BF51-6172-4212-A9BF-06C77C427660}"/>
+                </a:ext>
+              </a:extLst>
+            </p:cNvPr>
+            <p:cNvSpPr txBox="1"/>
+            <p:nvPr/>
+          </p:nvSpPr>
+          <p:spPr>
+            <a:xfrm>
+              <a:off x="4438100" y="5905552"/>
+              <a:ext cx="1286965" cy="512346"/>
+            </a:xfrm>
+            <a:prstGeom prst="rect">
+              <a:avLst/>
+            </a:prstGeom>
+            <a:noFill/>
+          </p:spPr>
+          <p:txBody>
+            <a:bodyPr wrap="none" rtlCol="0">
+              <a:spAutoFit/>
+            </a:bodyPr>
+            <a:lstStyle/>
+            <a:p>
+              <a:pPr algn="ctr"/>
+              <a:r>
+                <a:rPr lang="en-US" altLang="zh-CN" sz="1200" b="1" dirty="0">
+                  <a:solidFill>
+                    <a:srgbClr val="333F50"/>
+                  </a:solidFill>
+                  <a:latin typeface="Montserrat" panose="00000500000000000000" pitchFamily="50" charset="0"/>
+                </a:rPr>
+                <a:t>TYPE b</a:t>
+              </a:r>
+            </a:p>
+            <a:p>
+              <a:pPr lvl="0" algn="ctr"/>
+              <a:r>
+                <a:rPr lang="en-US" altLang="zh-CN" sz="1000" dirty="0">
+                  <a:solidFill>
+                    <a:prstClr val="white">
+                      <a:lumMod val="75000"/>
+                    </a:prstClr>
+                  </a:solidFill>
+                  <a:latin typeface="Montserrat" panose="00000500000000000000" pitchFamily="50" charset="0"/>
+                </a:rPr>
+                <a:t>Proper subset</a:t>
+              </a:r>
+              <a:endParaRPr lang="zh-CN" altLang="en-US" sz="1000" dirty="0">
+                <a:solidFill>
+                  <a:prstClr val="white">
+                    <a:lumMod val="75000"/>
+                  </a:prstClr>
+                </a:solidFill>
+                <a:latin typeface="Montserrat" panose="00000500000000000000" pitchFamily="50" charset="0"/>
+              </a:endParaRPr>
+            </a:p>
+          </p:txBody>
+        </p:sp>
+        <p:sp>
+          <p:nvSpPr>
+            <p:cNvPr id="24" name="矩形: 圆角 23">
+              <a:extLst>
+                <a:ext uri="{FF2B5EF4-FFF2-40B4-BE49-F238E27FC236}">
+                  <a16:creationId xmlns:a16="http://schemas.microsoft.com/office/drawing/2014/main" id="{CF8EFEB5-20AB-4F10-88B2-4201287E355C}"/>
+                </a:ext>
+              </a:extLst>
+            </p:cNvPr>
+            <p:cNvSpPr/>
+            <p:nvPr/>
+          </p:nvSpPr>
+          <p:spPr>
+            <a:xfrm>
+              <a:off x="4228501" y="1857845"/>
+              <a:ext cx="590293" cy="2129029"/>
+            </a:xfrm>
+            <a:prstGeom prst="roundRect">
+              <a:avLst/>
+            </a:prstGeom>
+            <a:solidFill>
+              <a:schemeClr val="tx2">
+                <a:lumMod val="75000"/>
+                <a:alpha val="73000"/>
+              </a:schemeClr>
+            </a:solidFill>
+            <a:ln>
+              <a:noFill/>
+            </a:ln>
+          </p:spPr>
+          <p:style>
+            <a:lnRef idx="2">
+              <a:schemeClr val="accent1">
+                <a:shade val="50000"/>
+              </a:schemeClr>
+            </a:lnRef>
+            <a:fillRef idx="1">
+              <a:schemeClr val="accent1"/>
+            </a:fillRef>
+            <a:effectRef idx="0">
+              <a:schemeClr val="accent1"/>
+            </a:effectRef>
+            <a:fontRef idx="minor">
+              <a:schemeClr val="lt1"/>
+            </a:fontRef>
+          </p:style>
+          <p:txBody>
+            <a:bodyPr rot="0" spcFirstLastPara="0" vertOverflow="overflow" horzOverflow="overflow" vert="horz" wrap="square" lIns="91440" tIns="45720" rIns="91440" bIns="45720" numCol="1" spcCol="0" rtlCol="0" fromWordArt="0" anchor="ctr" anchorCtr="0" forceAA="0" compatLnSpc="1">
+              <a:prstTxWarp prst="textNoShape">
+                <a:avLst/>
+              </a:prstTxWarp>
+              <a:noAutofit/>
+            </a:bodyPr>
+            <a:lstStyle/>
+            <a:p>
+              <a:pPr algn="ctr"/>
+              <a:r>
+                <a:rPr lang="en-US" altLang="zh-CN" sz="1400" b="1" dirty="0">
+                  <a:latin typeface="Montserrat" panose="00000500000000000000" pitchFamily="50" charset="0"/>
+                </a:rPr>
+                <a:t>A</a:t>
+              </a:r>
+              <a:endParaRPr lang="zh-CN" altLang="en-US" sz="1400" b="1" dirty="0">
+                <a:latin typeface="Montserrat" panose="00000500000000000000" pitchFamily="50" charset="0"/>
+              </a:endParaRPr>
+            </a:p>
+          </p:txBody>
+        </p:sp>
+        <p:sp>
+          <p:nvSpPr>
+            <p:cNvPr id="25" name="矩形: 圆角 24">
+              <a:extLst>
+                <a:ext uri="{FF2B5EF4-FFF2-40B4-BE49-F238E27FC236}">
+                  <a16:creationId xmlns:a16="http://schemas.microsoft.com/office/drawing/2014/main" id="{593B669B-581F-48F4-B301-15AAD1B29E67}"/>
+                </a:ext>
+              </a:extLst>
+            </p:cNvPr>
+            <p:cNvSpPr/>
+            <p:nvPr/>
+          </p:nvSpPr>
+          <p:spPr>
+            <a:xfrm>
+              <a:off x="5335631" y="1338202"/>
+              <a:ext cx="590293" cy="3713187"/>
+            </a:xfrm>
+            <a:prstGeom prst="roundRect">
+              <a:avLst/>
+            </a:prstGeom>
+            <a:solidFill>
+              <a:schemeClr val="accent1">
+                <a:alpha val="61000"/>
+              </a:schemeClr>
+            </a:solidFill>
+            <a:ln>
+              <a:noFill/>
+            </a:ln>
+          </p:spPr>
+          <p:style>
+            <a:lnRef idx="2">
+              <a:schemeClr val="accent1">
+                <a:shade val="50000"/>
+              </a:schemeClr>
+            </a:lnRef>
+            <a:fillRef idx="1">
+              <a:schemeClr val="accent1"/>
+            </a:fillRef>
+            <a:effectRef idx="0">
+              <a:schemeClr val="accent1"/>
+            </a:effectRef>
+            <a:fontRef idx="minor">
+              <a:schemeClr val="lt1"/>
+            </a:fontRef>
+          </p:style>
+          <p:txBody>
+            <a:bodyPr rot="0" spcFirstLastPara="0" vertOverflow="overflow" horzOverflow="overflow" vert="horz" wrap="square" lIns="91440" tIns="45720" rIns="91440" bIns="45720" numCol="1" spcCol="0" rtlCol="0" fromWordArt="0" anchor="ctr" anchorCtr="0" forceAA="0" compatLnSpc="1">
+              <a:prstTxWarp prst="textNoShape">
+                <a:avLst/>
+              </a:prstTxWarp>
+              <a:noAutofit/>
+            </a:bodyPr>
+            <a:lstStyle/>
+            <a:p>
+              <a:pPr algn="ctr"/>
+              <a:r>
+                <a:rPr lang="en-US" altLang="zh-CN" sz="1400" b="1" dirty="0">
+                  <a:latin typeface="Montserrat" panose="00000500000000000000" pitchFamily="50" charset="0"/>
+                </a:rPr>
+                <a:t>B</a:t>
+              </a:r>
+              <a:endParaRPr lang="zh-CN" altLang="en-US" sz="1400" b="1" dirty="0">
+                <a:latin typeface="Montserrat" panose="00000500000000000000" pitchFamily="50" charset="0"/>
+              </a:endParaRPr>
+            </a:p>
+          </p:txBody>
+        </p:sp>
+        <p:sp>
+          <p:nvSpPr>
+            <p:cNvPr id="26" name="矩形: 圆角 25">
+              <a:extLst>
+                <a:ext uri="{FF2B5EF4-FFF2-40B4-BE49-F238E27FC236}">
+                  <a16:creationId xmlns:a16="http://schemas.microsoft.com/office/drawing/2014/main" id="{08A883DE-D751-4241-A24D-ADD8D12C755A}"/>
+                </a:ext>
+              </a:extLst>
+            </p:cNvPr>
+            <p:cNvSpPr/>
+            <p:nvPr/>
+          </p:nvSpPr>
+          <p:spPr>
+            <a:xfrm>
+              <a:off x="7272245" y="911632"/>
+              <a:ext cx="590293" cy="4610100"/>
+            </a:xfrm>
+            <a:prstGeom prst="roundRect">
+              <a:avLst/>
+            </a:prstGeom>
+            <a:solidFill>
+              <a:schemeClr val="bg1">
+                <a:lumMod val="95000"/>
+              </a:schemeClr>
+            </a:solidFill>
+            <a:ln>
+              <a:noFill/>
+            </a:ln>
+          </p:spPr>
+          <p:style>
+            <a:lnRef idx="2">
+              <a:schemeClr val="accent1">
+                <a:shade val="50000"/>
+              </a:schemeClr>
+            </a:lnRef>
+            <a:fillRef idx="1">
+              <a:schemeClr val="accent1"/>
+            </a:fillRef>
+            <a:effectRef idx="0">
+              <a:schemeClr val="accent1"/>
+            </a:effectRef>
+            <a:fontRef idx="minor">
+              <a:schemeClr val="lt1"/>
+            </a:fontRef>
+          </p:style>
+          <p:txBody>
+            <a:bodyPr rot="0" spcFirstLastPara="0" vertOverflow="overflow" horzOverflow="overflow" vert="horz" wrap="square" lIns="91440" tIns="45720" rIns="91440" bIns="45720" numCol="1" spcCol="0" rtlCol="0" fromWordArt="0" anchor="ctr" anchorCtr="0" forceAA="0" compatLnSpc="1">
+              <a:prstTxWarp prst="textNoShape">
+                <a:avLst/>
+              </a:prstTxWarp>
+              <a:noAutofit/>
+            </a:bodyPr>
+            <a:lstStyle/>
+            <a:p>
+              <a:pPr algn="ctr"/>
+              <a:endParaRPr lang="zh-CN" altLang="en-US" sz="1400" b="1">
+                <a:latin typeface="Montserrat" panose="00000500000000000000" pitchFamily="50" charset="0"/>
+              </a:endParaRPr>
+            </a:p>
+          </p:txBody>
+        </p:sp>
+        <p:sp>
+          <p:nvSpPr>
+            <p:cNvPr id="27" name="矩形: 圆角 26">
+              <a:extLst>
+                <a:ext uri="{FF2B5EF4-FFF2-40B4-BE49-F238E27FC236}">
+                  <a16:creationId xmlns:a16="http://schemas.microsoft.com/office/drawing/2014/main" id="{55C7A651-212E-4A73-AC3D-82193F8AAC72}"/>
+                </a:ext>
+              </a:extLst>
+            </p:cNvPr>
+            <p:cNvSpPr/>
+            <p:nvPr/>
+          </p:nvSpPr>
+          <p:spPr>
+            <a:xfrm>
+              <a:off x="8387121" y="911632"/>
+              <a:ext cx="590293" cy="4610100"/>
+            </a:xfrm>
+            <a:prstGeom prst="roundRect">
+              <a:avLst/>
+            </a:prstGeom>
+            <a:solidFill>
+              <a:schemeClr val="bg1">
+                <a:lumMod val="95000"/>
+              </a:schemeClr>
+            </a:solidFill>
+            <a:ln>
+              <a:noFill/>
+            </a:ln>
+          </p:spPr>
+          <p:style>
+            <a:lnRef idx="2">
+              <a:schemeClr val="accent1">
+                <a:shade val="50000"/>
+              </a:schemeClr>
+            </a:lnRef>
+            <a:fillRef idx="1">
+              <a:schemeClr val="accent1"/>
+            </a:fillRef>
+            <a:effectRef idx="0">
+              <a:schemeClr val="accent1"/>
+            </a:effectRef>
+            <a:fontRef idx="minor">
+              <a:schemeClr val="lt1"/>
+            </a:fontRef>
+          </p:style>
+          <p:txBody>
+            <a:bodyPr rot="0" spcFirstLastPara="0" vertOverflow="overflow" horzOverflow="overflow" vert="horz" wrap="square" lIns="91440" tIns="45720" rIns="91440" bIns="45720" numCol="1" spcCol="0" rtlCol="0" fromWordArt="0" anchor="ctr" anchorCtr="0" forceAA="0" compatLnSpc="1">
+              <a:prstTxWarp prst="textNoShape">
+                <a:avLst/>
+              </a:prstTxWarp>
+              <a:noAutofit/>
+            </a:bodyPr>
+            <a:lstStyle/>
+            <a:p>
+              <a:pPr algn="ctr"/>
+              <a:endParaRPr lang="zh-CN" altLang="en-US" sz="1400" b="1">
+                <a:latin typeface="Montserrat" panose="00000500000000000000" pitchFamily="50" charset="0"/>
+              </a:endParaRPr>
+            </a:p>
+          </p:txBody>
+        </p:sp>
+        <p:sp>
+          <p:nvSpPr>
+            <p:cNvPr id="28" name="文本框 27">
+              <a:extLst>
+                <a:ext uri="{FF2B5EF4-FFF2-40B4-BE49-F238E27FC236}">
+                  <a16:creationId xmlns:a16="http://schemas.microsoft.com/office/drawing/2014/main" id="{2F72CD0F-B747-4495-9350-F1DC53054D8C}"/>
+                </a:ext>
+              </a:extLst>
+            </p:cNvPr>
+            <p:cNvSpPr txBox="1"/>
+            <p:nvPr/>
+          </p:nvSpPr>
+          <p:spPr>
+            <a:xfrm>
+              <a:off x="7899257" y="2924294"/>
+              <a:ext cx="473082" cy="548942"/>
+            </a:xfrm>
+            <a:prstGeom prst="rect">
+              <a:avLst/>
+            </a:prstGeom>
+            <a:noFill/>
+          </p:spPr>
+          <p:txBody>
+            <a:bodyPr wrap="none" rtlCol="0">
+              <a:spAutoFit/>
+            </a:bodyPr>
+            <a:lstStyle/>
+            <a:p>
+              <a:r>
+                <a:rPr lang="en-US" altLang="zh-CN" sz="2400" b="1" dirty="0">
+                  <a:solidFill>
+                    <a:schemeClr val="tx2">
+                      <a:alpha val="76000"/>
+                    </a:schemeClr>
+                  </a:solidFill>
+                </a:rPr>
+                <a:t>+</a:t>
+              </a:r>
+              <a:endParaRPr lang="zh-CN" altLang="en-US" sz="2400" b="1" dirty="0">
+                <a:solidFill>
+                  <a:schemeClr val="tx2">
+                    <a:alpha val="76000"/>
+                  </a:schemeClr>
+                </a:solidFill>
+              </a:endParaRPr>
+            </a:p>
+          </p:txBody>
+        </p:sp>
+        <p:sp>
+          <p:nvSpPr>
+            <p:cNvPr id="29" name="文本框 28">
+              <a:extLst>
+                <a:ext uri="{FF2B5EF4-FFF2-40B4-BE49-F238E27FC236}">
+                  <a16:creationId xmlns:a16="http://schemas.microsoft.com/office/drawing/2014/main" id="{92363AA7-BB65-4477-9D7A-508D8B6C2601}"/>
+                </a:ext>
+              </a:extLst>
+            </p:cNvPr>
+            <p:cNvSpPr txBox="1"/>
+            <p:nvPr/>
+          </p:nvSpPr>
+          <p:spPr>
+            <a:xfrm>
+              <a:off x="7450750" y="5907486"/>
+              <a:ext cx="1367018" cy="512346"/>
+            </a:xfrm>
+            <a:prstGeom prst="rect">
+              <a:avLst/>
+            </a:prstGeom>
+            <a:noFill/>
+          </p:spPr>
+          <p:txBody>
+            <a:bodyPr wrap="none" rtlCol="0">
+              <a:spAutoFit/>
+            </a:bodyPr>
+            <a:lstStyle/>
+            <a:p>
+              <a:pPr algn="ctr"/>
+              <a:r>
+                <a:rPr lang="en-US" altLang="zh-CN" sz="1200" b="1" dirty="0">
+                  <a:solidFill>
+                    <a:srgbClr val="333F50"/>
+                  </a:solidFill>
+                  <a:latin typeface="Montserrat" panose="00000500000000000000" pitchFamily="50" charset="0"/>
+                </a:rPr>
+                <a:t>TYPE c</a:t>
+              </a:r>
+            </a:p>
+            <a:p>
+              <a:pPr lvl="0" algn="ctr"/>
+              <a:r>
+                <a:rPr lang="en-US" altLang="zh-CN" sz="1000" dirty="0">
+                  <a:solidFill>
+                    <a:prstClr val="white">
+                      <a:lumMod val="75000"/>
+                    </a:prstClr>
+                  </a:solidFill>
+                  <a:latin typeface="Montserrat" panose="00000500000000000000" pitchFamily="50" charset="0"/>
+                </a:rPr>
+                <a:t>Mutual overlap</a:t>
+              </a:r>
+              <a:endParaRPr lang="zh-CN" altLang="en-US" sz="1000" dirty="0">
+                <a:solidFill>
+                  <a:prstClr val="white">
+                    <a:lumMod val="75000"/>
+                  </a:prstClr>
+                </a:solidFill>
+                <a:latin typeface="Montserrat" panose="00000500000000000000" pitchFamily="50" charset="0"/>
+              </a:endParaRPr>
+            </a:p>
+          </p:txBody>
+        </p:sp>
+        <p:sp>
+          <p:nvSpPr>
+            <p:cNvPr id="30" name="矩形: 圆角 29">
+              <a:extLst>
+                <a:ext uri="{FF2B5EF4-FFF2-40B4-BE49-F238E27FC236}">
+                  <a16:creationId xmlns:a16="http://schemas.microsoft.com/office/drawing/2014/main" id="{8B1A2E66-E6B6-4AC4-A233-EB0F986B605F}"/>
+                </a:ext>
+              </a:extLst>
+            </p:cNvPr>
+            <p:cNvSpPr/>
+            <p:nvPr/>
+          </p:nvSpPr>
+          <p:spPr>
+            <a:xfrm>
+              <a:off x="7281177" y="1502182"/>
+              <a:ext cx="590293" cy="2129029"/>
+            </a:xfrm>
+            <a:prstGeom prst="roundRect">
+              <a:avLst/>
+            </a:prstGeom>
+            <a:solidFill>
+              <a:schemeClr val="tx2">
+                <a:lumMod val="75000"/>
+                <a:alpha val="73000"/>
+              </a:schemeClr>
+            </a:solidFill>
+            <a:ln>
+              <a:noFill/>
+            </a:ln>
+          </p:spPr>
+          <p:style>
+            <a:lnRef idx="2">
+              <a:schemeClr val="accent1">
+                <a:shade val="50000"/>
+              </a:schemeClr>
+            </a:lnRef>
+            <a:fillRef idx="1">
+              <a:schemeClr val="accent1"/>
+            </a:fillRef>
+            <a:effectRef idx="0">
+              <a:schemeClr val="accent1"/>
+            </a:effectRef>
+            <a:fontRef idx="minor">
+              <a:schemeClr val="lt1"/>
+            </a:fontRef>
+          </p:style>
+          <p:txBody>
+            <a:bodyPr rot="0" spcFirstLastPara="0" vertOverflow="overflow" horzOverflow="overflow" vert="horz" wrap="square" lIns="91440" tIns="45720" rIns="91440" bIns="45720" numCol="1" spcCol="0" rtlCol="0" fromWordArt="0" anchor="ctr" anchorCtr="0" forceAA="0" compatLnSpc="1">
+              <a:prstTxWarp prst="textNoShape">
+                <a:avLst/>
+              </a:prstTxWarp>
+              <a:noAutofit/>
+            </a:bodyPr>
+            <a:lstStyle/>
+            <a:p>
+              <a:pPr algn="ctr"/>
+              <a:r>
+                <a:rPr lang="en-US" altLang="zh-CN" sz="1400" b="1" dirty="0">
+                  <a:latin typeface="Montserrat" panose="00000500000000000000" pitchFamily="50" charset="0"/>
+                </a:rPr>
+                <a:t>A</a:t>
+              </a:r>
+              <a:endParaRPr lang="zh-CN" altLang="en-US" sz="1400" b="1" dirty="0">
+                <a:latin typeface="Montserrat" panose="00000500000000000000" pitchFamily="50" charset="0"/>
+              </a:endParaRPr>
+            </a:p>
+          </p:txBody>
+        </p:sp>
+        <p:sp>
+          <p:nvSpPr>
+            <p:cNvPr id="31" name="矩形: 圆角 30">
+              <a:extLst>
+                <a:ext uri="{FF2B5EF4-FFF2-40B4-BE49-F238E27FC236}">
+                  <a16:creationId xmlns:a16="http://schemas.microsoft.com/office/drawing/2014/main" id="{0E84D067-C10F-4345-B31A-2D487126F97D}"/>
+                </a:ext>
+              </a:extLst>
+            </p:cNvPr>
+            <p:cNvSpPr/>
+            <p:nvPr/>
+          </p:nvSpPr>
+          <p:spPr>
+            <a:xfrm>
+              <a:off x="8388307" y="2924294"/>
+              <a:ext cx="590293" cy="2129029"/>
+            </a:xfrm>
+            <a:prstGeom prst="roundRect">
+              <a:avLst/>
+            </a:prstGeom>
+            <a:solidFill>
+              <a:schemeClr val="accent1">
+                <a:alpha val="61000"/>
+              </a:schemeClr>
+            </a:solidFill>
+            <a:ln>
+              <a:noFill/>
+            </a:ln>
+          </p:spPr>
+          <p:style>
+            <a:lnRef idx="2">
+              <a:schemeClr val="accent1">
+                <a:shade val="50000"/>
+              </a:schemeClr>
+            </a:lnRef>
+            <a:fillRef idx="1">
+              <a:schemeClr val="accent1"/>
+            </a:fillRef>
+            <a:effectRef idx="0">
+              <a:schemeClr val="accent1"/>
+            </a:effectRef>
+            <a:fontRef idx="minor">
+              <a:schemeClr val="lt1"/>
+            </a:fontRef>
+          </p:style>
+          <p:txBody>
+            <a:bodyPr rot="0" spcFirstLastPara="0" vertOverflow="overflow" horzOverflow="overflow" vert="horz" wrap="square" lIns="91440" tIns="45720" rIns="91440" bIns="45720" numCol="1" spcCol="0" rtlCol="0" fromWordArt="0" anchor="ctr" anchorCtr="0" forceAA="0" compatLnSpc="1">
+              <a:prstTxWarp prst="textNoShape">
+                <a:avLst/>
+              </a:prstTxWarp>
+              <a:noAutofit/>
+            </a:bodyPr>
+            <a:lstStyle/>
+            <a:p>
+              <a:pPr algn="ctr"/>
+              <a:r>
+                <a:rPr lang="en-US" altLang="zh-CN" sz="1400" b="1" dirty="0">
+                  <a:latin typeface="Montserrat" panose="00000500000000000000" pitchFamily="50" charset="0"/>
+                </a:rPr>
+                <a:t>B</a:t>
+              </a:r>
+              <a:endParaRPr lang="zh-CN" altLang="en-US" sz="1400" b="1" dirty="0">
+                <a:latin typeface="Montserrat" panose="00000500000000000000" pitchFamily="50" charset="0"/>
+              </a:endParaRPr>
+            </a:p>
+          </p:txBody>
+        </p:sp>
+        <p:sp>
+          <p:nvSpPr>
+            <p:cNvPr id="32" name="矩形: 圆角 31">
+              <a:extLst>
+                <a:ext uri="{FF2B5EF4-FFF2-40B4-BE49-F238E27FC236}">
+                  <a16:creationId xmlns:a16="http://schemas.microsoft.com/office/drawing/2014/main" id="{36A7EF6F-E5F9-4C7B-BCD0-82E94112EFCD}"/>
+                </a:ext>
+              </a:extLst>
+            </p:cNvPr>
+            <p:cNvSpPr/>
+            <p:nvPr/>
+          </p:nvSpPr>
+          <p:spPr>
+            <a:xfrm>
+              <a:off x="10248295" y="909698"/>
+              <a:ext cx="590293" cy="4610100"/>
+            </a:xfrm>
+            <a:prstGeom prst="roundRect">
+              <a:avLst/>
+            </a:prstGeom>
+            <a:solidFill>
+              <a:schemeClr val="bg1">
+                <a:lumMod val="95000"/>
+              </a:schemeClr>
+            </a:solidFill>
+            <a:ln>
+              <a:noFill/>
+            </a:ln>
+          </p:spPr>
+          <p:style>
+            <a:lnRef idx="2">
+              <a:schemeClr val="accent1">
+                <a:shade val="50000"/>
+              </a:schemeClr>
+            </a:lnRef>
+            <a:fillRef idx="1">
+              <a:schemeClr val="accent1"/>
+            </a:fillRef>
+            <a:effectRef idx="0">
+              <a:schemeClr val="accent1"/>
+            </a:effectRef>
+            <a:fontRef idx="minor">
+              <a:schemeClr val="lt1"/>
+            </a:fontRef>
+          </p:style>
+          <p:txBody>
+            <a:bodyPr rot="0" spcFirstLastPara="0" vertOverflow="overflow" horzOverflow="overflow" vert="horz" wrap="square" lIns="91440" tIns="45720" rIns="91440" bIns="45720" numCol="1" spcCol="0" rtlCol="0" fromWordArt="0" anchor="ctr" anchorCtr="0" forceAA="0" compatLnSpc="1">
+              <a:prstTxWarp prst="textNoShape">
+                <a:avLst/>
+              </a:prstTxWarp>
+              <a:noAutofit/>
+            </a:bodyPr>
+            <a:lstStyle/>
+            <a:p>
+              <a:pPr algn="ctr"/>
+              <a:endParaRPr lang="zh-CN" altLang="en-US" sz="1400" b="1">
+                <a:latin typeface="Montserrat" panose="00000500000000000000" pitchFamily="50" charset="0"/>
+              </a:endParaRPr>
+            </a:p>
+          </p:txBody>
+        </p:sp>
+        <p:sp>
+          <p:nvSpPr>
+            <p:cNvPr id="33" name="矩形: 圆角 32">
+              <a:extLst>
+                <a:ext uri="{FF2B5EF4-FFF2-40B4-BE49-F238E27FC236}">
+                  <a16:creationId xmlns:a16="http://schemas.microsoft.com/office/drawing/2014/main" id="{E326A69F-33EC-4E48-9C60-941AD92F020B}"/>
+                </a:ext>
+              </a:extLst>
+            </p:cNvPr>
+            <p:cNvSpPr/>
+            <p:nvPr/>
+          </p:nvSpPr>
+          <p:spPr>
+            <a:xfrm>
+              <a:off x="11363171" y="909698"/>
+              <a:ext cx="590293" cy="4610100"/>
+            </a:xfrm>
+            <a:prstGeom prst="roundRect">
+              <a:avLst/>
+            </a:prstGeom>
+            <a:solidFill>
+              <a:schemeClr val="bg1">
+                <a:lumMod val="95000"/>
+              </a:schemeClr>
+            </a:solidFill>
+            <a:ln>
+              <a:noFill/>
+            </a:ln>
+          </p:spPr>
+          <p:style>
+            <a:lnRef idx="2">
+              <a:schemeClr val="accent1">
+                <a:shade val="50000"/>
+              </a:schemeClr>
+            </a:lnRef>
+            <a:fillRef idx="1">
+              <a:schemeClr val="accent1"/>
+            </a:fillRef>
+            <a:effectRef idx="0">
+              <a:schemeClr val="accent1"/>
+            </a:effectRef>
+            <a:fontRef idx="minor">
+              <a:schemeClr val="lt1"/>
+            </a:fontRef>
+          </p:style>
+          <p:txBody>
+            <a:bodyPr rot="0" spcFirstLastPara="0" vertOverflow="overflow" horzOverflow="overflow" vert="horz" wrap="square" lIns="91440" tIns="45720" rIns="91440" bIns="45720" numCol="1" spcCol="0" rtlCol="0" fromWordArt="0" anchor="ctr" anchorCtr="0" forceAA="0" compatLnSpc="1">
+              <a:prstTxWarp prst="textNoShape">
+                <a:avLst/>
+              </a:prstTxWarp>
+              <a:noAutofit/>
+            </a:bodyPr>
+            <a:lstStyle/>
+            <a:p>
+              <a:pPr algn="ctr"/>
+              <a:endParaRPr lang="zh-CN" altLang="en-US" sz="1400" b="1">
+                <a:latin typeface="Montserrat" panose="00000500000000000000" pitchFamily="50" charset="0"/>
+              </a:endParaRPr>
+            </a:p>
+          </p:txBody>
+        </p:sp>
+        <p:sp>
+          <p:nvSpPr>
+            <p:cNvPr id="34" name="文本框 33">
+              <a:extLst>
+                <a:ext uri="{FF2B5EF4-FFF2-40B4-BE49-F238E27FC236}">
+                  <a16:creationId xmlns:a16="http://schemas.microsoft.com/office/drawing/2014/main" id="{0F289F11-6BE0-4587-BAA1-28A35918D3FF}"/>
+                </a:ext>
+              </a:extLst>
+            </p:cNvPr>
+            <p:cNvSpPr txBox="1"/>
+            <p:nvPr/>
+          </p:nvSpPr>
+          <p:spPr>
+            <a:xfrm>
+              <a:off x="10875307" y="2922360"/>
+              <a:ext cx="473082" cy="548942"/>
+            </a:xfrm>
+            <a:prstGeom prst="rect">
+              <a:avLst/>
+            </a:prstGeom>
+            <a:noFill/>
+          </p:spPr>
+          <p:txBody>
+            <a:bodyPr wrap="none" rtlCol="0">
+              <a:spAutoFit/>
+            </a:bodyPr>
+            <a:lstStyle/>
+            <a:p>
+              <a:r>
+                <a:rPr lang="en-US" altLang="zh-CN" sz="2400" b="1" dirty="0">
+                  <a:solidFill>
+                    <a:schemeClr val="tx2">
+                      <a:alpha val="76000"/>
+                    </a:schemeClr>
+                  </a:solidFill>
+                </a:rPr>
+                <a:t>+</a:t>
+              </a:r>
+              <a:endParaRPr lang="zh-CN" altLang="en-US" sz="2400" b="1" dirty="0">
+                <a:solidFill>
+                  <a:schemeClr val="tx2">
+                    <a:alpha val="76000"/>
+                  </a:schemeClr>
+                </a:solidFill>
+              </a:endParaRPr>
+            </a:p>
+          </p:txBody>
+        </p:sp>
+        <p:sp>
+          <p:nvSpPr>
+            <p:cNvPr id="35" name="文本框 34">
+              <a:extLst>
+                <a:ext uri="{FF2B5EF4-FFF2-40B4-BE49-F238E27FC236}">
+                  <a16:creationId xmlns:a16="http://schemas.microsoft.com/office/drawing/2014/main" id="{6FEBED88-C4A3-485D-9321-83D42F4D7C10}"/>
+                </a:ext>
+              </a:extLst>
+            </p:cNvPr>
+            <p:cNvSpPr txBox="1"/>
+            <p:nvPr/>
+          </p:nvSpPr>
+          <p:spPr>
+            <a:xfrm>
+              <a:off x="10466564" y="5905552"/>
+              <a:ext cx="2394379" cy="731923"/>
+            </a:xfrm>
+            <a:prstGeom prst="rect">
+              <a:avLst/>
+            </a:prstGeom>
+            <a:noFill/>
+          </p:spPr>
+          <p:txBody>
+            <a:bodyPr wrap="none" rtlCol="0">
+              <a:spAutoFit/>
+            </a:bodyPr>
+            <a:lstStyle/>
+            <a:p>
+              <a:pPr algn="ctr"/>
+              <a:r>
+                <a:rPr lang="en-US" altLang="zh-CN" sz="1200" b="1" dirty="0">
+                  <a:solidFill>
+                    <a:srgbClr val="333F50"/>
+                  </a:solidFill>
+                  <a:latin typeface="Montserrat" panose="00000500000000000000" pitchFamily="50" charset="0"/>
+                </a:rPr>
+                <a:t>Special Case</a:t>
+              </a:r>
+            </a:p>
+            <a:p>
+              <a:pPr lvl="0" algn="ctr"/>
+              <a:r>
+                <a:rPr lang="en-US" altLang="zh-CN" sz="1000" dirty="0">
+                  <a:solidFill>
+                    <a:prstClr val="white">
+                      <a:lumMod val="75000"/>
+                    </a:prstClr>
+                  </a:solidFill>
+                  <a:latin typeface="Montserrat" panose="00000500000000000000" pitchFamily="50" charset="0"/>
+                </a:rPr>
+                <a:t>Conflict of 3 or more courses</a:t>
+              </a:r>
+              <a:endParaRPr lang="zh-CN" altLang="en-US" sz="1000" dirty="0">
+                <a:solidFill>
+                  <a:prstClr val="white">
+                    <a:lumMod val="75000"/>
+                  </a:prstClr>
+                </a:solidFill>
+                <a:latin typeface="Montserrat" panose="00000500000000000000" pitchFamily="50" charset="0"/>
+              </a:endParaRPr>
+            </a:p>
+            <a:p>
+              <a:pPr algn="ctr"/>
+              <a:endParaRPr lang="zh-CN" altLang="en-US" sz="1200" b="1" dirty="0">
+                <a:solidFill>
+                  <a:srgbClr val="333F50"/>
+                </a:solidFill>
+                <a:latin typeface="Montserrat" panose="00000500000000000000" pitchFamily="50" charset="0"/>
+              </a:endParaRPr>
+            </a:p>
+          </p:txBody>
+        </p:sp>
+        <p:sp>
+          <p:nvSpPr>
+            <p:cNvPr id="36" name="矩形: 圆角 35">
+              <a:extLst>
+                <a:ext uri="{FF2B5EF4-FFF2-40B4-BE49-F238E27FC236}">
+                  <a16:creationId xmlns:a16="http://schemas.microsoft.com/office/drawing/2014/main" id="{99661E90-E26F-4329-9235-566FF98C668C}"/>
+                </a:ext>
+              </a:extLst>
+            </p:cNvPr>
+            <p:cNvSpPr/>
+            <p:nvPr/>
+          </p:nvSpPr>
+          <p:spPr>
+            <a:xfrm>
+              <a:off x="10257227" y="1500248"/>
+              <a:ext cx="590293" cy="2129029"/>
+            </a:xfrm>
+            <a:prstGeom prst="roundRect">
+              <a:avLst/>
+            </a:prstGeom>
+            <a:solidFill>
+              <a:schemeClr val="tx2">
+                <a:lumMod val="75000"/>
+                <a:alpha val="73000"/>
+              </a:schemeClr>
+            </a:solidFill>
+            <a:ln>
+              <a:noFill/>
+            </a:ln>
+          </p:spPr>
+          <p:style>
+            <a:lnRef idx="2">
+              <a:schemeClr val="accent1">
+                <a:shade val="50000"/>
+              </a:schemeClr>
+            </a:lnRef>
+            <a:fillRef idx="1">
+              <a:schemeClr val="accent1"/>
+            </a:fillRef>
+            <a:effectRef idx="0">
+              <a:schemeClr val="accent1"/>
+            </a:effectRef>
+            <a:fontRef idx="minor">
+              <a:schemeClr val="lt1"/>
+            </a:fontRef>
+          </p:style>
+          <p:txBody>
+            <a:bodyPr rot="0" spcFirstLastPara="0" vertOverflow="overflow" horzOverflow="overflow" vert="horz" wrap="square" lIns="91440" tIns="45720" rIns="91440" bIns="45720" numCol="1" spcCol="0" rtlCol="0" fromWordArt="0" anchor="ctr" anchorCtr="0" forceAA="0" compatLnSpc="1">
+              <a:prstTxWarp prst="textNoShape">
+                <a:avLst/>
+              </a:prstTxWarp>
+              <a:noAutofit/>
+            </a:bodyPr>
+            <a:lstStyle/>
+            <a:p>
+              <a:pPr algn="ctr"/>
+              <a:r>
+                <a:rPr lang="en-US" altLang="zh-CN" sz="1400" b="1" dirty="0">
+                  <a:latin typeface="Montserrat" panose="00000500000000000000" pitchFamily="50" charset="0"/>
+                </a:rPr>
+                <a:t>A</a:t>
+              </a:r>
+              <a:endParaRPr lang="zh-CN" altLang="en-US" sz="1400" b="1" dirty="0">
+                <a:latin typeface="Montserrat" panose="00000500000000000000" pitchFamily="50" charset="0"/>
+              </a:endParaRPr>
+            </a:p>
+          </p:txBody>
+        </p:sp>
+        <p:sp>
+          <p:nvSpPr>
+            <p:cNvPr id="37" name="矩形: 圆角 36">
+              <a:extLst>
+                <a:ext uri="{FF2B5EF4-FFF2-40B4-BE49-F238E27FC236}">
+                  <a16:creationId xmlns:a16="http://schemas.microsoft.com/office/drawing/2014/main" id="{2858E19E-B391-4F1F-98BD-D1A4A99C3310}"/>
+                </a:ext>
+              </a:extLst>
+            </p:cNvPr>
+            <p:cNvSpPr/>
+            <p:nvPr/>
+          </p:nvSpPr>
+          <p:spPr>
+            <a:xfrm>
+              <a:off x="11364357" y="1500247"/>
+              <a:ext cx="590293" cy="3551142"/>
+            </a:xfrm>
+            <a:prstGeom prst="roundRect">
+              <a:avLst/>
+            </a:prstGeom>
+            <a:solidFill>
+              <a:schemeClr val="accent1">
+                <a:alpha val="61000"/>
+              </a:schemeClr>
+            </a:solidFill>
+            <a:ln>
+              <a:noFill/>
+            </a:ln>
+          </p:spPr>
+          <p:style>
+            <a:lnRef idx="2">
+              <a:schemeClr val="accent1">
+                <a:shade val="50000"/>
+              </a:schemeClr>
+            </a:lnRef>
+            <a:fillRef idx="1">
+              <a:schemeClr val="accent1"/>
+            </a:fillRef>
+            <a:effectRef idx="0">
+              <a:schemeClr val="accent1"/>
+            </a:effectRef>
+            <a:fontRef idx="minor">
+              <a:schemeClr val="lt1"/>
+            </a:fontRef>
+          </p:style>
+          <p:txBody>
+            <a:bodyPr rot="0" spcFirstLastPara="0" vertOverflow="overflow" horzOverflow="overflow" vert="horz" wrap="square" lIns="91440" tIns="45720" rIns="91440" bIns="45720" numCol="1" spcCol="0" rtlCol="0" fromWordArt="0" anchor="ctr" anchorCtr="0" forceAA="0" compatLnSpc="1">
+              <a:prstTxWarp prst="textNoShape">
+                <a:avLst/>
+              </a:prstTxWarp>
+              <a:noAutofit/>
+            </a:bodyPr>
+            <a:lstStyle/>
+            <a:p>
+              <a:pPr algn="ctr"/>
+              <a:r>
+                <a:rPr lang="en-US" altLang="zh-CN" sz="1400" b="1" dirty="0">
+                  <a:latin typeface="Montserrat" panose="00000500000000000000" pitchFamily="50" charset="0"/>
+                </a:rPr>
+                <a:t>B</a:t>
+              </a:r>
+              <a:endParaRPr lang="zh-CN" altLang="en-US" sz="1400" b="1" dirty="0">
+                <a:latin typeface="Montserrat" panose="00000500000000000000" pitchFamily="50" charset="0"/>
+              </a:endParaRPr>
+            </a:p>
+          </p:txBody>
+        </p:sp>
+        <p:sp>
+          <p:nvSpPr>
+            <p:cNvPr id="38" name="矩形: 圆角 37">
+              <a:extLst>
+                <a:ext uri="{FF2B5EF4-FFF2-40B4-BE49-F238E27FC236}">
+                  <a16:creationId xmlns:a16="http://schemas.microsoft.com/office/drawing/2014/main" id="{6089DF6D-84AE-4828-9724-842D48ADDB3E}"/>
+                </a:ext>
+              </a:extLst>
+            </p:cNvPr>
+            <p:cNvSpPr/>
+            <p:nvPr/>
+          </p:nvSpPr>
+          <p:spPr>
+            <a:xfrm>
+              <a:off x="12501743" y="909698"/>
+              <a:ext cx="590293" cy="4610100"/>
+            </a:xfrm>
+            <a:prstGeom prst="roundRect">
+              <a:avLst/>
+            </a:prstGeom>
+            <a:solidFill>
+              <a:schemeClr val="bg1">
+                <a:lumMod val="95000"/>
+              </a:schemeClr>
+            </a:solidFill>
+            <a:ln>
+              <a:noFill/>
+            </a:ln>
+          </p:spPr>
+          <p:style>
+            <a:lnRef idx="2">
+              <a:schemeClr val="accent1">
+                <a:shade val="50000"/>
+              </a:schemeClr>
+            </a:lnRef>
+            <a:fillRef idx="1">
+              <a:schemeClr val="accent1"/>
+            </a:fillRef>
+            <a:effectRef idx="0">
+              <a:schemeClr val="accent1"/>
+            </a:effectRef>
+            <a:fontRef idx="minor">
+              <a:schemeClr val="lt1"/>
+            </a:fontRef>
+          </p:style>
+          <p:txBody>
+            <a:bodyPr rot="0" spcFirstLastPara="0" vertOverflow="overflow" horzOverflow="overflow" vert="horz" wrap="square" lIns="91440" tIns="45720" rIns="91440" bIns="45720" numCol="1" spcCol="0" rtlCol="0" fromWordArt="0" anchor="ctr" anchorCtr="0" forceAA="0" compatLnSpc="1">
+              <a:prstTxWarp prst="textNoShape">
+                <a:avLst/>
+              </a:prstTxWarp>
+              <a:noAutofit/>
+            </a:bodyPr>
+            <a:lstStyle/>
+            <a:p>
+              <a:pPr algn="ctr"/>
+              <a:endParaRPr lang="zh-CN" altLang="en-US" sz="1400" b="1">
+                <a:latin typeface="Montserrat" panose="00000500000000000000" pitchFamily="50" charset="0"/>
+              </a:endParaRPr>
+            </a:p>
+          </p:txBody>
+        </p:sp>
+        <p:sp>
+          <p:nvSpPr>
+            <p:cNvPr id="39" name="文本框 38">
+              <a:extLst>
+                <a:ext uri="{FF2B5EF4-FFF2-40B4-BE49-F238E27FC236}">
+                  <a16:creationId xmlns:a16="http://schemas.microsoft.com/office/drawing/2014/main" id="{0FE9197E-BA7C-4B90-A157-5D5ED019D279}"/>
+                </a:ext>
+              </a:extLst>
+            </p:cNvPr>
+            <p:cNvSpPr txBox="1"/>
+            <p:nvPr/>
+          </p:nvSpPr>
+          <p:spPr>
+            <a:xfrm>
+              <a:off x="12013878" y="2922359"/>
+              <a:ext cx="473082" cy="548942"/>
+            </a:xfrm>
+            <a:prstGeom prst="rect">
+              <a:avLst/>
+            </a:prstGeom>
+            <a:noFill/>
+          </p:spPr>
+          <p:txBody>
+            <a:bodyPr wrap="none" rtlCol="0">
+              <a:spAutoFit/>
+            </a:bodyPr>
+            <a:lstStyle/>
+            <a:p>
+              <a:r>
+                <a:rPr lang="en-US" altLang="zh-CN" sz="2400" b="1" dirty="0">
+                  <a:solidFill>
+                    <a:schemeClr val="tx2">
+                      <a:alpha val="76000"/>
+                    </a:schemeClr>
+                  </a:solidFill>
+                </a:rPr>
+                <a:t>+</a:t>
+              </a:r>
+              <a:endParaRPr lang="zh-CN" altLang="en-US" sz="2400" b="1" dirty="0">
+                <a:solidFill>
+                  <a:schemeClr val="tx2">
+                    <a:alpha val="76000"/>
+                  </a:schemeClr>
+                </a:solidFill>
+              </a:endParaRPr>
+            </a:p>
+          </p:txBody>
+        </p:sp>
+        <p:sp>
+          <p:nvSpPr>
+            <p:cNvPr id="40" name="矩形: 圆角 39">
+              <a:extLst>
+                <a:ext uri="{FF2B5EF4-FFF2-40B4-BE49-F238E27FC236}">
+                  <a16:creationId xmlns:a16="http://schemas.microsoft.com/office/drawing/2014/main" id="{750A606E-841B-44D4-925E-B6643E299260}"/>
+                </a:ext>
+              </a:extLst>
+            </p:cNvPr>
+            <p:cNvSpPr/>
+            <p:nvPr/>
+          </p:nvSpPr>
+          <p:spPr>
+            <a:xfrm>
+              <a:off x="12502929" y="1500247"/>
+              <a:ext cx="590293" cy="2782193"/>
+            </a:xfrm>
+            <a:prstGeom prst="roundRect">
+              <a:avLst/>
+            </a:prstGeom>
+            <a:solidFill>
+              <a:schemeClr val="accent2">
+                <a:alpha val="61000"/>
+              </a:schemeClr>
+            </a:solidFill>
+            <a:ln>
+              <a:noFill/>
+            </a:ln>
+          </p:spPr>
+          <p:style>
+            <a:lnRef idx="2">
+              <a:schemeClr val="accent1">
+                <a:shade val="50000"/>
+              </a:schemeClr>
+            </a:lnRef>
+            <a:fillRef idx="1">
+              <a:schemeClr val="accent1"/>
+            </a:fillRef>
+            <a:effectRef idx="0">
+              <a:schemeClr val="accent1"/>
+            </a:effectRef>
+            <a:fontRef idx="minor">
+              <a:schemeClr val="lt1"/>
+            </a:fontRef>
+          </p:style>
+          <p:txBody>
+            <a:bodyPr rot="0" spcFirstLastPara="0" vertOverflow="overflow" horzOverflow="overflow" vert="horz" wrap="square" lIns="91440" tIns="45720" rIns="91440" bIns="45720" numCol="1" spcCol="0" rtlCol="0" fromWordArt="0" anchor="ctr" anchorCtr="0" forceAA="0" compatLnSpc="1">
+              <a:prstTxWarp prst="textNoShape">
+                <a:avLst/>
+              </a:prstTxWarp>
+              <a:noAutofit/>
+            </a:bodyPr>
+            <a:lstStyle/>
+            <a:p>
+              <a:pPr algn="ctr"/>
+              <a:r>
+                <a:rPr lang="en-US" altLang="zh-CN" sz="1400" b="1" dirty="0">
+                  <a:latin typeface="Montserrat" panose="00000500000000000000" pitchFamily="50" charset="0"/>
+                </a:rPr>
+                <a:t>C</a:t>
+              </a:r>
+              <a:endParaRPr lang="zh-CN" altLang="en-US" sz="1400" b="1" dirty="0">
+                <a:latin typeface="Montserrat" panose="00000500000000000000" pitchFamily="50" charset="0"/>
+              </a:endParaRPr>
+            </a:p>
+          </p:txBody>
+        </p:sp>
+      </p:grpSp>
+    </p:spTree>
+    <p:extLst>
+      <p:ext uri="{BB962C8B-B14F-4D97-AF65-F5344CB8AC3E}">
+        <p14:creationId xmlns:p14="http://schemas.microsoft.com/office/powerpoint/2010/main" val="4292962299"/>
       </p:ext>
     </p:extLst>
   </p:cSld>
